--- a/lib/project/仕様書.pptx
+++ b/lib/project/仕様書.pptx
@@ -4,6 +4,9 @@
   <p:sldMasterIdLst>
     <p:sldMasterId id="2147483648" r:id="rId1"/>
   </p:sldMasterIdLst>
+  <p:notesMasterIdLst>
+    <p:notesMasterId r:id="rId11"/>
+  </p:notesMasterIdLst>
   <p:sldIdLst>
     <p:sldId id="256" r:id="rId2"/>
     <p:sldId id="265" r:id="rId3"/>
@@ -12,7 +15,8 @@
     <p:sldId id="268" r:id="rId6"/>
     <p:sldId id="269" r:id="rId7"/>
     <p:sldId id="270" r:id="rId8"/>
-    <p:sldId id="263" r:id="rId9"/>
+    <p:sldId id="271" r:id="rId9"/>
+    <p:sldId id="263" r:id="rId10"/>
   </p:sldIdLst>
   <p:sldSz cx="12192000" cy="6858000"/>
   <p:notesSz cx="6858000" cy="9144000"/>
@@ -291,6 +295,500 @@
   </inkml:definitions>
   <inkml:trace contextRef="#ctx0" brushRef="#br0">1 358,'283'-16,"-104"2,1275 11,-194 38,1835-38,-1907 4,-928-14,-40 1,-19 9,159-5,250-9,2 18,-202 1,-373-2,386-10,323-7,-608 18,233-27,-74 3,-21 11,202-5,-281 17,297-8,-140-6,-219 11,483-62,-491 42,92-12,200 29,-251 8,1756-2,-1497-21,-407 20,109-11,131-5,554 18,-797 1,0-1,1 2,16 4,-15-3,38 5,1-4,-2 2,0 4,77 22,-92-24,67 9,-35-8,-9 2,-18-4,-1-1,58 1,-69-8,-1 0</inkml:trace>
 </inkml:ink>
+</file>
+
+<file path=ppt/ink/ink7.xml><?xml version="1.0" encoding="utf-8"?>
+<inkml:ink xmlns:inkml="http://www.w3.org/2003/InkML">
+  <inkml:definitions>
+    <inkml:context xml:id="ctx0">
+      <inkml:inkSource xml:id="inkSrc0">
+        <inkml:traceFormat>
+          <inkml:channel name="X" type="integer" min="-2.14748E9" max="2.14748E9" units="cm"/>
+          <inkml:channel name="Y" type="integer" min="-2.14748E9" max="2.14748E9" units="cm"/>
+        </inkml:traceFormat>
+        <inkml:channelProperties>
+          <inkml:channelProperty channel="X" name="resolution" value="1000" units="1/cm"/>
+          <inkml:channelProperty channel="Y" name="resolution" value="1000" units="1/cm"/>
+        </inkml:channelProperties>
+      </inkml:inkSource>
+      <inkml:timestamp xml:id="ts0" timeString="2025-07-15T05:17:14.095"/>
+    </inkml:context>
+    <inkml:brush xml:id="br0">
+      <inkml:brushProperty name="width" value="0.3" units="cm"/>
+      <inkml:brushProperty name="height" value="0.6" units="cm"/>
+      <inkml:brushProperty name="color" value="#FFFC00"/>
+      <inkml:brushProperty name="tip" value="rectangle"/>
+      <inkml:brushProperty name="rasterOp" value="maskPen"/>
+      <inkml:brushProperty name="ignorePressure" value="1"/>
+    </inkml:brush>
+  </inkml:definitions>
+  <inkml:trace contextRef="#ctx0" brushRef="#br0">1 358,'283'-16,"-104"2,1275 11,-194 38,1835-38,-1907 4,-928-14,-40 1,-19 9,159-5,250-9,2 18,-202 1,-373-2,386-10,323-7,-608 18,233-27,-74 3,-21 11,202-5,-281 17,297-8,-140-6,-219 11,483-62,-491 42,92-12,200 29,-251 8,1756-2,-1497-21,-407 20,109-11,131-5,554 18,-797 1,0-1,1 2,16 4,-15-3,38 5,1-4,-2 2,0 4,77 22,-92-24,67 9,-35-8,-9 2,-18-4,-1-1,58 1,-69-8,-1 0</inkml:trace>
+</inkml:ink>
+</file>
+
+<file path=ppt/notesMasters/notesMaster1.xml><?xml version="1.0" encoding="utf-8"?>
+<p:notesMaster xmlns:a="http://schemas.openxmlformats.org/drawingml/2006/main" xmlns:r="http://schemas.openxmlformats.org/officeDocument/2006/relationships" xmlns:p="http://schemas.openxmlformats.org/presentationml/2006/main">
+  <p:cSld>
+    <p:bg>
+      <p:bgRef idx="1001">
+        <a:schemeClr val="bg1"/>
+      </p:bgRef>
+    </p:bg>
+    <p:spTree>
+      <p:nvGrpSpPr>
+        <p:cNvPr id="1" name=""/>
+        <p:cNvGrpSpPr/>
+        <p:nvPr/>
+      </p:nvGrpSpPr>
+      <p:grpSpPr>
+        <a:xfrm>
+          <a:off x="0" y="0"/>
+          <a:ext cx="0" cy="0"/>
+          <a:chOff x="0" y="0"/>
+          <a:chExt cx="0" cy="0"/>
+        </a:xfrm>
+      </p:grpSpPr>
+      <p:sp>
+        <p:nvSpPr>
+          <p:cNvPr id="2" name="ヘッダー プレースホルダー 1"/>
+          <p:cNvSpPr>
+            <a:spLocks noGrp="1"/>
+          </p:cNvSpPr>
+          <p:nvPr>
+            <p:ph type="hdr" sz="quarter"/>
+          </p:nvPr>
+        </p:nvSpPr>
+        <p:spPr>
+          <a:xfrm>
+            <a:off x="0" y="0"/>
+            <a:ext cx="2971800" cy="458788"/>
+          </a:xfrm>
+          <a:prstGeom prst="rect">
+            <a:avLst/>
+          </a:prstGeom>
+        </p:spPr>
+        <p:txBody>
+          <a:bodyPr vert="horz" lIns="91440" tIns="45720" rIns="91440" bIns="45720" rtlCol="0"/>
+          <a:lstStyle>
+            <a:lvl1pPr algn="l">
+              <a:defRPr sz="1200"/>
+            </a:lvl1pPr>
+          </a:lstStyle>
+          <a:p>
+            <a:endParaRPr kumimoji="1" lang="ja-JP" altLang="en-US"/>
+          </a:p>
+        </p:txBody>
+      </p:sp>
+      <p:sp>
+        <p:nvSpPr>
+          <p:cNvPr id="3" name="日付プレースホルダー 2"/>
+          <p:cNvSpPr>
+            <a:spLocks noGrp="1"/>
+          </p:cNvSpPr>
+          <p:nvPr>
+            <p:ph type="dt" idx="1"/>
+          </p:nvPr>
+        </p:nvSpPr>
+        <p:spPr>
+          <a:xfrm>
+            <a:off x="3884613" y="0"/>
+            <a:ext cx="2971800" cy="458788"/>
+          </a:xfrm>
+          <a:prstGeom prst="rect">
+            <a:avLst/>
+          </a:prstGeom>
+        </p:spPr>
+        <p:txBody>
+          <a:bodyPr vert="horz" lIns="91440" tIns="45720" rIns="91440" bIns="45720" rtlCol="0"/>
+          <a:lstStyle>
+            <a:lvl1pPr algn="r">
+              <a:defRPr sz="1200"/>
+            </a:lvl1pPr>
+          </a:lstStyle>
+          <a:p>
+            <a:fld id="{65948F2E-E54C-42AD-BD40-D72B0021C1DE}" type="datetimeFigureOut">
+              <a:rPr kumimoji="1" lang="ja-JP" altLang="en-US" smtClean="0"/>
+              <a:t>2025/7/15</a:t>
+            </a:fld>
+            <a:endParaRPr kumimoji="1" lang="ja-JP" altLang="en-US"/>
+          </a:p>
+        </p:txBody>
+      </p:sp>
+      <p:sp>
+        <p:nvSpPr>
+          <p:cNvPr id="4" name="スライド イメージ プレースホルダー 3"/>
+          <p:cNvSpPr>
+            <a:spLocks noGrp="1" noRot="1" noChangeAspect="1"/>
+          </p:cNvSpPr>
+          <p:nvPr>
+            <p:ph type="sldImg" idx="2"/>
+          </p:nvPr>
+        </p:nvSpPr>
+        <p:spPr>
+          <a:xfrm>
+            <a:off x="685800" y="1143000"/>
+            <a:ext cx="5486400" cy="3086100"/>
+          </a:xfrm>
+          <a:prstGeom prst="rect">
+            <a:avLst/>
+          </a:prstGeom>
+          <a:noFill/>
+          <a:ln w="12700">
+            <a:solidFill>
+              <a:prstClr val="black"/>
+            </a:solidFill>
+          </a:ln>
+        </p:spPr>
+        <p:txBody>
+          <a:bodyPr vert="horz" lIns="91440" tIns="45720" rIns="91440" bIns="45720" rtlCol="0" anchor="ctr"/>
+          <a:lstStyle/>
+          <a:p>
+            <a:endParaRPr lang="ja-JP" altLang="en-US"/>
+          </a:p>
+        </p:txBody>
+      </p:sp>
+      <p:sp>
+        <p:nvSpPr>
+          <p:cNvPr id="5" name="ノート プレースホルダー 4"/>
+          <p:cNvSpPr>
+            <a:spLocks noGrp="1"/>
+          </p:cNvSpPr>
+          <p:nvPr>
+            <p:ph type="body" sz="quarter" idx="3"/>
+          </p:nvPr>
+        </p:nvSpPr>
+        <p:spPr>
+          <a:xfrm>
+            <a:off x="685800" y="4400550"/>
+            <a:ext cx="5486400" cy="3600450"/>
+          </a:xfrm>
+          <a:prstGeom prst="rect">
+            <a:avLst/>
+          </a:prstGeom>
+        </p:spPr>
+        <p:txBody>
+          <a:bodyPr vert="horz" lIns="91440" tIns="45720" rIns="91440" bIns="45720" rtlCol="0"/>
+          <a:lstStyle/>
+          <a:p>
+            <a:pPr lvl="0"/>
+            <a:r>
+              <a:rPr kumimoji="1" lang="ja-JP" altLang="en-US"/>
+              <a:t>マスター テキストの書式設定</a:t>
+            </a:r>
+          </a:p>
+          <a:p>
+            <a:pPr lvl="1"/>
+            <a:r>
+              <a:rPr kumimoji="1" lang="ja-JP" altLang="en-US"/>
+              <a:t>第 </a:t>
+            </a:r>
+            <a:r>
+              <a:rPr kumimoji="1" lang="en-US" altLang="ja-JP"/>
+              <a:t>2 </a:t>
+            </a:r>
+            <a:r>
+              <a:rPr kumimoji="1" lang="ja-JP" altLang="en-US"/>
+              <a:t>レベル</a:t>
+            </a:r>
+          </a:p>
+          <a:p>
+            <a:pPr lvl="2"/>
+            <a:r>
+              <a:rPr kumimoji="1" lang="ja-JP" altLang="en-US"/>
+              <a:t>第 </a:t>
+            </a:r>
+            <a:r>
+              <a:rPr kumimoji="1" lang="en-US" altLang="ja-JP"/>
+              <a:t>3 </a:t>
+            </a:r>
+            <a:r>
+              <a:rPr kumimoji="1" lang="ja-JP" altLang="en-US"/>
+              <a:t>レベル</a:t>
+            </a:r>
+          </a:p>
+          <a:p>
+            <a:pPr lvl="3"/>
+            <a:r>
+              <a:rPr kumimoji="1" lang="ja-JP" altLang="en-US"/>
+              <a:t>第 </a:t>
+            </a:r>
+            <a:r>
+              <a:rPr kumimoji="1" lang="en-US" altLang="ja-JP"/>
+              <a:t>4 </a:t>
+            </a:r>
+            <a:r>
+              <a:rPr kumimoji="1" lang="ja-JP" altLang="en-US"/>
+              <a:t>レベル</a:t>
+            </a:r>
+          </a:p>
+          <a:p>
+            <a:pPr lvl="4"/>
+            <a:r>
+              <a:rPr kumimoji="1" lang="ja-JP" altLang="en-US"/>
+              <a:t>第 </a:t>
+            </a:r>
+            <a:r>
+              <a:rPr kumimoji="1" lang="en-US" altLang="ja-JP"/>
+              <a:t>5 </a:t>
+            </a:r>
+            <a:r>
+              <a:rPr kumimoji="1" lang="ja-JP" altLang="en-US"/>
+              <a:t>レベル</a:t>
+            </a:r>
+          </a:p>
+        </p:txBody>
+      </p:sp>
+      <p:sp>
+        <p:nvSpPr>
+          <p:cNvPr id="6" name="フッター プレースホルダー 5"/>
+          <p:cNvSpPr>
+            <a:spLocks noGrp="1"/>
+          </p:cNvSpPr>
+          <p:nvPr>
+            <p:ph type="ftr" sz="quarter" idx="4"/>
+          </p:nvPr>
+        </p:nvSpPr>
+        <p:spPr>
+          <a:xfrm>
+            <a:off x="0" y="8685213"/>
+            <a:ext cx="2971800" cy="458787"/>
+          </a:xfrm>
+          <a:prstGeom prst="rect">
+            <a:avLst/>
+          </a:prstGeom>
+        </p:spPr>
+        <p:txBody>
+          <a:bodyPr vert="horz" lIns="91440" tIns="45720" rIns="91440" bIns="45720" rtlCol="0" anchor="b"/>
+          <a:lstStyle>
+            <a:lvl1pPr algn="l">
+              <a:defRPr sz="1200"/>
+            </a:lvl1pPr>
+          </a:lstStyle>
+          <a:p>
+            <a:endParaRPr kumimoji="1" lang="ja-JP" altLang="en-US"/>
+          </a:p>
+        </p:txBody>
+      </p:sp>
+      <p:sp>
+        <p:nvSpPr>
+          <p:cNvPr id="7" name="スライド番号プレースホルダー 6"/>
+          <p:cNvSpPr>
+            <a:spLocks noGrp="1"/>
+          </p:cNvSpPr>
+          <p:nvPr>
+            <p:ph type="sldNum" sz="quarter" idx="5"/>
+          </p:nvPr>
+        </p:nvSpPr>
+        <p:spPr>
+          <a:xfrm>
+            <a:off x="3884613" y="8685213"/>
+            <a:ext cx="2971800" cy="458787"/>
+          </a:xfrm>
+          <a:prstGeom prst="rect">
+            <a:avLst/>
+          </a:prstGeom>
+        </p:spPr>
+        <p:txBody>
+          <a:bodyPr vert="horz" lIns="91440" tIns="45720" rIns="91440" bIns="45720" rtlCol="0" anchor="b"/>
+          <a:lstStyle>
+            <a:lvl1pPr algn="r">
+              <a:defRPr sz="1200"/>
+            </a:lvl1pPr>
+          </a:lstStyle>
+          <a:p>
+            <a:fld id="{34B4F49F-8A6F-4564-8051-C69902684E3C}" type="slidenum">
+              <a:rPr kumimoji="1" lang="ja-JP" altLang="en-US" smtClean="0"/>
+              <a:t>‹#›</a:t>
+            </a:fld>
+            <a:endParaRPr kumimoji="1" lang="ja-JP" altLang="en-US"/>
+          </a:p>
+        </p:txBody>
+      </p:sp>
+    </p:spTree>
+    <p:extLst>
+      <p:ext uri="{BB962C8B-B14F-4D97-AF65-F5344CB8AC3E}">
+        <p14:creationId xmlns:p14="http://schemas.microsoft.com/office/powerpoint/2010/main" val="484555253"/>
+      </p:ext>
+    </p:extLst>
+  </p:cSld>
+  <p:clrMap bg1="lt1" tx1="dk1" bg2="lt2" tx2="dk2" accent1="accent1" accent2="accent2" accent3="accent3" accent4="accent4" accent5="accent5" accent6="accent6" hlink="hlink" folHlink="folHlink"/>
+  <p:notesStyle>
+    <a:lvl1pPr marL="0" algn="l" defTabSz="914400" rtl="0" eaLnBrk="1" latinLnBrk="0" hangingPunct="1">
+      <a:defRPr kumimoji="1" sz="1200" kern="1200">
+        <a:solidFill>
+          <a:schemeClr val="tx1"/>
+        </a:solidFill>
+        <a:latin typeface="+mn-lt"/>
+        <a:ea typeface="+mn-ea"/>
+        <a:cs typeface="+mn-cs"/>
+      </a:defRPr>
+    </a:lvl1pPr>
+    <a:lvl2pPr marL="457200" algn="l" defTabSz="914400" rtl="0" eaLnBrk="1" latinLnBrk="0" hangingPunct="1">
+      <a:defRPr kumimoji="1" sz="1200" kern="1200">
+        <a:solidFill>
+          <a:schemeClr val="tx1"/>
+        </a:solidFill>
+        <a:latin typeface="+mn-lt"/>
+        <a:ea typeface="+mn-ea"/>
+        <a:cs typeface="+mn-cs"/>
+      </a:defRPr>
+    </a:lvl2pPr>
+    <a:lvl3pPr marL="914400" algn="l" defTabSz="914400" rtl="0" eaLnBrk="1" latinLnBrk="0" hangingPunct="1">
+      <a:defRPr kumimoji="1" sz="1200" kern="1200">
+        <a:solidFill>
+          <a:schemeClr val="tx1"/>
+        </a:solidFill>
+        <a:latin typeface="+mn-lt"/>
+        <a:ea typeface="+mn-ea"/>
+        <a:cs typeface="+mn-cs"/>
+      </a:defRPr>
+    </a:lvl3pPr>
+    <a:lvl4pPr marL="1371600" algn="l" defTabSz="914400" rtl="0" eaLnBrk="1" latinLnBrk="0" hangingPunct="1">
+      <a:defRPr kumimoji="1" sz="1200" kern="1200">
+        <a:solidFill>
+          <a:schemeClr val="tx1"/>
+        </a:solidFill>
+        <a:latin typeface="+mn-lt"/>
+        <a:ea typeface="+mn-ea"/>
+        <a:cs typeface="+mn-cs"/>
+      </a:defRPr>
+    </a:lvl4pPr>
+    <a:lvl5pPr marL="1828800" algn="l" defTabSz="914400" rtl="0" eaLnBrk="1" latinLnBrk="0" hangingPunct="1">
+      <a:defRPr kumimoji="1" sz="1200" kern="1200">
+        <a:solidFill>
+          <a:schemeClr val="tx1"/>
+        </a:solidFill>
+        <a:latin typeface="+mn-lt"/>
+        <a:ea typeface="+mn-ea"/>
+        <a:cs typeface="+mn-cs"/>
+      </a:defRPr>
+    </a:lvl5pPr>
+    <a:lvl6pPr marL="2286000" algn="l" defTabSz="914400" rtl="0" eaLnBrk="1" latinLnBrk="0" hangingPunct="1">
+      <a:defRPr kumimoji="1" sz="1200" kern="1200">
+        <a:solidFill>
+          <a:schemeClr val="tx1"/>
+        </a:solidFill>
+        <a:latin typeface="+mn-lt"/>
+        <a:ea typeface="+mn-ea"/>
+        <a:cs typeface="+mn-cs"/>
+      </a:defRPr>
+    </a:lvl6pPr>
+    <a:lvl7pPr marL="2743200" algn="l" defTabSz="914400" rtl="0" eaLnBrk="1" latinLnBrk="0" hangingPunct="1">
+      <a:defRPr kumimoji="1" sz="1200" kern="1200">
+        <a:solidFill>
+          <a:schemeClr val="tx1"/>
+        </a:solidFill>
+        <a:latin typeface="+mn-lt"/>
+        <a:ea typeface="+mn-ea"/>
+        <a:cs typeface="+mn-cs"/>
+      </a:defRPr>
+    </a:lvl7pPr>
+    <a:lvl8pPr marL="3200400" algn="l" defTabSz="914400" rtl="0" eaLnBrk="1" latinLnBrk="0" hangingPunct="1">
+      <a:defRPr kumimoji="1" sz="1200" kern="1200">
+        <a:solidFill>
+          <a:schemeClr val="tx1"/>
+        </a:solidFill>
+        <a:latin typeface="+mn-lt"/>
+        <a:ea typeface="+mn-ea"/>
+        <a:cs typeface="+mn-cs"/>
+      </a:defRPr>
+    </a:lvl8pPr>
+    <a:lvl9pPr marL="3657600" algn="l" defTabSz="914400" rtl="0" eaLnBrk="1" latinLnBrk="0" hangingPunct="1">
+      <a:defRPr kumimoji="1" sz="1200" kern="1200">
+        <a:solidFill>
+          <a:schemeClr val="tx1"/>
+        </a:solidFill>
+        <a:latin typeface="+mn-lt"/>
+        <a:ea typeface="+mn-ea"/>
+        <a:cs typeface="+mn-cs"/>
+      </a:defRPr>
+    </a:lvl9pPr>
+  </p:notesStyle>
+</p:notesMaster>
+</file>
+
+<file path=ppt/notesSlides/notesSlide1.xml><?xml version="1.0" encoding="utf-8"?>
+<p:notes xmlns:a="http://schemas.openxmlformats.org/drawingml/2006/main" xmlns:r="http://schemas.openxmlformats.org/officeDocument/2006/relationships" xmlns:p="http://schemas.openxmlformats.org/presentationml/2006/main">
+  <p:cSld>
+    <p:spTree>
+      <p:nvGrpSpPr>
+        <p:cNvPr id="1" name=""/>
+        <p:cNvGrpSpPr/>
+        <p:nvPr/>
+      </p:nvGrpSpPr>
+      <p:grpSpPr>
+        <a:xfrm>
+          <a:off x="0" y="0"/>
+          <a:ext cx="0" cy="0"/>
+          <a:chOff x="0" y="0"/>
+          <a:chExt cx="0" cy="0"/>
+        </a:xfrm>
+      </p:grpSpPr>
+      <p:sp>
+        <p:nvSpPr>
+          <p:cNvPr id="2" name="スライド イメージ プレースホルダー 1"/>
+          <p:cNvSpPr>
+            <a:spLocks noGrp="1" noRot="1" noChangeAspect="1"/>
+          </p:cNvSpPr>
+          <p:nvPr>
+            <p:ph type="sldImg"/>
+          </p:nvPr>
+        </p:nvSpPr>
+        <p:spPr/>
+      </p:sp>
+      <p:sp>
+        <p:nvSpPr>
+          <p:cNvPr id="3" name="ノート プレースホルダー 2"/>
+          <p:cNvSpPr>
+            <a:spLocks noGrp="1"/>
+          </p:cNvSpPr>
+          <p:nvPr>
+            <p:ph type="body" idx="1"/>
+          </p:nvPr>
+        </p:nvSpPr>
+        <p:spPr/>
+        <p:txBody>
+          <a:bodyPr/>
+          <a:lstStyle/>
+          <a:p>
+            <a:endParaRPr kumimoji="1" lang="ja-JP" altLang="en-US" dirty="0"/>
+          </a:p>
+        </p:txBody>
+      </p:sp>
+      <p:sp>
+        <p:nvSpPr>
+          <p:cNvPr id="4" name="スライド番号プレースホルダー 3"/>
+          <p:cNvSpPr>
+            <a:spLocks noGrp="1"/>
+          </p:cNvSpPr>
+          <p:nvPr>
+            <p:ph type="sldNum" sz="quarter" idx="5"/>
+          </p:nvPr>
+        </p:nvSpPr>
+        <p:spPr/>
+        <p:txBody>
+          <a:bodyPr/>
+          <a:lstStyle/>
+          <a:p>
+            <a:fld id="{34B4F49F-8A6F-4564-8051-C69902684E3C}" type="slidenum">
+              <a:rPr kumimoji="1" lang="ja-JP" altLang="en-US" smtClean="0"/>
+              <a:t>8</a:t>
+            </a:fld>
+            <a:endParaRPr kumimoji="1" lang="ja-JP" altLang="en-US"/>
+          </a:p>
+        </p:txBody>
+      </p:sp>
+    </p:spTree>
+    <p:extLst>
+      <p:ext uri="{BB962C8B-B14F-4D97-AF65-F5344CB8AC3E}">
+        <p14:creationId xmlns:p14="http://schemas.microsoft.com/office/powerpoint/2010/main" val="719149802"/>
+      </p:ext>
+    </p:extLst>
+  </p:cSld>
+  <p:clrMapOvr>
+    <a:masterClrMapping/>
+  </p:clrMapOvr>
+</p:notes>
 </file>
 
 <file path=ppt/slideLayouts/slideLayout1.xml><?xml version="1.0" encoding="utf-8"?>
@@ -4530,8 +5028,8 @@
           </a:p>
         </p:txBody>
       </p:sp>
-      <mc:AlternateContent xmlns:mc="http://schemas.openxmlformats.org/markup-compatibility/2006">
-        <mc:Choice xmlns:p14="http://schemas.microsoft.com/office/powerpoint/2010/main" Requires="p14">
+      <mc:AlternateContent xmlns:mc="http://schemas.openxmlformats.org/markup-compatibility/2006" xmlns:p14="http://schemas.microsoft.com/office/powerpoint/2010/main">
+        <mc:Choice Requires="p14">
           <p:contentPart p14:bwMode="auto" r:id="rId2">
             <p14:nvContentPartPr>
               <p14:cNvPr id="26" name="インク 25">
@@ -4550,7 +5048,7 @@
             </p14:xfrm>
           </p:contentPart>
         </mc:Choice>
-        <mc:Fallback>
+        <mc:Fallback xmlns="">
           <p:pic>
             <p:nvPicPr>
               <p:cNvPr id="26" name="インク 25">
@@ -4591,13 +5089,13 @@
   <p:clrMapOvr>
     <a:masterClrMapping/>
   </p:clrMapOvr>
-  <mc:AlternateContent xmlns:mc="http://schemas.openxmlformats.org/markup-compatibility/2006">
-    <mc:Choice xmlns:p15="http://schemas.microsoft.com/office/powerpoint/2012/main" Requires="p15">
+  <mc:AlternateContent xmlns:mc="http://schemas.openxmlformats.org/markup-compatibility/2006" xmlns:p15="http://schemas.microsoft.com/office/powerpoint/2012/main">
+    <mc:Choice Requires="p15">
       <p:transition xmlns:p14="http://schemas.microsoft.com/office/powerpoint/2010/main" spd="slow" p14:dur="1250">
         <p15:prstTrans prst="pageCurlDouble"/>
       </p:transition>
     </mc:Choice>
-    <mc:Fallback>
+    <mc:Fallback xmlns="">
       <p:transition spd="slow">
         <p:fade/>
       </p:transition>
@@ -4842,8 +5340,8 @@
           </a:p>
         </p:txBody>
       </p:sp>
-      <mc:AlternateContent xmlns:mc="http://schemas.openxmlformats.org/markup-compatibility/2006">
-        <mc:Choice xmlns:p14="http://schemas.microsoft.com/office/powerpoint/2010/main" Requires="p14">
+      <mc:AlternateContent xmlns:mc="http://schemas.openxmlformats.org/markup-compatibility/2006" xmlns:p14="http://schemas.microsoft.com/office/powerpoint/2010/main">
+        <mc:Choice Requires="p14">
           <p:contentPart p14:bwMode="auto" r:id="rId2">
             <p14:nvContentPartPr>
               <p14:cNvPr id="26" name="インク 25">
@@ -4862,7 +5360,7 @@
             </p14:xfrm>
           </p:contentPart>
         </mc:Choice>
-        <mc:Fallback>
+        <mc:Fallback xmlns="">
           <p:pic>
             <p:nvPicPr>
               <p:cNvPr id="26" name="インク 25">
@@ -5395,8 +5893,8 @@
           </a:p>
         </p:txBody>
       </p:sp>
-      <mc:AlternateContent xmlns:mc="http://schemas.openxmlformats.org/markup-compatibility/2006">
-        <mc:Choice xmlns:p14="http://schemas.microsoft.com/office/powerpoint/2010/main" Requires="p14">
+      <mc:AlternateContent xmlns:mc="http://schemas.openxmlformats.org/markup-compatibility/2006" xmlns:p14="http://schemas.microsoft.com/office/powerpoint/2010/main">
+        <mc:Choice Requires="p14">
           <p:contentPart p14:bwMode="auto" r:id="rId2">
             <p14:nvContentPartPr>
               <p14:cNvPr id="26" name="インク 25">
@@ -5415,7 +5913,7 @@
             </p14:xfrm>
           </p:contentPart>
         </mc:Choice>
-        <mc:Fallback>
+        <mc:Fallback xmlns="">
           <p:pic>
             <p:nvPicPr>
               <p:cNvPr id="26" name="インク 25">
@@ -5949,8 +6447,8 @@
           </a:p>
         </p:txBody>
       </p:sp>
-      <mc:AlternateContent xmlns:mc="http://schemas.openxmlformats.org/markup-compatibility/2006">
-        <mc:Choice xmlns:p14="http://schemas.microsoft.com/office/powerpoint/2010/main" Requires="p14">
+      <mc:AlternateContent xmlns:mc="http://schemas.openxmlformats.org/markup-compatibility/2006" xmlns:p14="http://schemas.microsoft.com/office/powerpoint/2010/main">
+        <mc:Choice Requires="p14">
           <p:contentPart p14:bwMode="auto" r:id="rId2">
             <p14:nvContentPartPr>
               <p14:cNvPr id="26" name="インク 25">
@@ -5969,7 +6467,7 @@
             </p14:xfrm>
           </p:contentPart>
         </mc:Choice>
-        <mc:Fallback>
+        <mc:Fallback xmlns="">
           <p:pic>
             <p:nvPicPr>
               <p:cNvPr id="26" name="インク 25">
@@ -6803,8 +7301,8 @@
           </a:p>
         </p:txBody>
       </p:sp>
-      <mc:AlternateContent xmlns:mc="http://schemas.openxmlformats.org/markup-compatibility/2006">
-        <mc:Choice xmlns:p14="http://schemas.microsoft.com/office/powerpoint/2010/main" Requires="p14">
+      <mc:AlternateContent xmlns:mc="http://schemas.openxmlformats.org/markup-compatibility/2006" xmlns:p14="http://schemas.microsoft.com/office/powerpoint/2010/main">
+        <mc:Choice Requires="p14">
           <p:contentPart p14:bwMode="auto" r:id="rId2">
             <p14:nvContentPartPr>
               <p14:cNvPr id="26" name="インク 25">
@@ -6823,7 +7321,7 @@
             </p14:xfrm>
           </p:contentPart>
         </mc:Choice>
-        <mc:Fallback>
+        <mc:Fallback xmlns="">
           <p:pic>
             <p:nvPicPr>
               <p:cNvPr id="26" name="インク 25">
@@ -7392,8 +7890,8 @@
           </a:p>
         </p:txBody>
       </p:sp>
-      <mc:AlternateContent xmlns:mc="http://schemas.openxmlformats.org/markup-compatibility/2006">
-        <mc:Choice xmlns:p14="http://schemas.microsoft.com/office/powerpoint/2010/main" Requires="p14">
+      <mc:AlternateContent xmlns:mc="http://schemas.openxmlformats.org/markup-compatibility/2006" xmlns:p14="http://schemas.microsoft.com/office/powerpoint/2010/main">
+        <mc:Choice Requires="p14">
           <p:contentPart p14:bwMode="auto" r:id="rId2">
             <p14:nvContentPartPr>
               <p14:cNvPr id="26" name="インク 25">
@@ -7412,7 +7910,7 @@
             </p14:xfrm>
           </p:contentPart>
         </mc:Choice>
-        <mc:Fallback>
+        <mc:Fallback xmlns="">
           <p:pic>
             <p:nvPicPr>
               <p:cNvPr id="26" name="インク 25">
@@ -7723,6 +8221,708 @@
 </file>
 
 <file path=ppt/slides/slide8.xml><?xml version="1.0" encoding="utf-8"?>
+<p:sld xmlns:a="http://schemas.openxmlformats.org/drawingml/2006/main" xmlns:r="http://schemas.openxmlformats.org/officeDocument/2006/relationships" xmlns:p="http://schemas.openxmlformats.org/presentationml/2006/main">
+  <p:cSld>
+    <p:bg>
+      <p:bgPr>
+        <a:solidFill>
+          <a:schemeClr val="bg1"/>
+        </a:solidFill>
+        <a:effectLst/>
+      </p:bgPr>
+    </p:bg>
+    <p:spTree>
+      <p:nvGrpSpPr>
+        <p:cNvPr id="1" name="">
+          <a:extLst>
+            <a:ext uri="{FF2B5EF4-FFF2-40B4-BE49-F238E27FC236}">
+              <a16:creationId xmlns:a16="http://schemas.microsoft.com/office/drawing/2014/main" id="{12B98D41-FDFC-20A4-6BDC-2AFC58D7AE04}"/>
+            </a:ext>
+          </a:extLst>
+        </p:cNvPr>
+        <p:cNvGrpSpPr/>
+        <p:nvPr/>
+      </p:nvGrpSpPr>
+      <p:grpSpPr>
+        <a:xfrm>
+          <a:off x="0" y="0"/>
+          <a:ext cx="0" cy="0"/>
+          <a:chOff x="0" y="0"/>
+          <a:chExt cx="0" cy="0"/>
+        </a:xfrm>
+      </p:grpSpPr>
+      <p:sp useBgFill="1">
+        <p:nvSpPr>
+          <p:cNvPr id="8" name="Rectangle 7">
+            <a:extLst>
+              <a:ext uri="{FF2B5EF4-FFF2-40B4-BE49-F238E27FC236}">
+                <a16:creationId xmlns:a16="http://schemas.microsoft.com/office/drawing/2014/main" id="{F7CC4F0B-62F8-F379-D8E8-FB87CF70D521}"/>
+              </a:ext>
+              <a:ext uri="{C183D7F6-B498-43B3-948B-1728B52AA6E4}">
+                <adec:decorative xmlns:adec="http://schemas.microsoft.com/office/drawing/2017/decorative" val="1"/>
+              </a:ext>
+            </a:extLst>
+          </p:cNvPr>
+          <p:cNvSpPr>
+            <a:spLocks noGrp="1" noRot="1" noChangeAspect="1" noMove="1" noResize="1" noEditPoints="1" noAdjustHandles="1" noChangeArrowheads="1" noChangeShapeType="1" noTextEdit="1"/>
+          </p:cNvSpPr>
+          <p:nvPr>
+            <p:extLst>
+              <p:ext uri="{386F3935-93C4-4BCD-93E2-E3B085C9AB24}">
+                <p16:designElem xmlns:p16="http://schemas.microsoft.com/office/powerpoint/2015/main" val="1"/>
+              </p:ext>
+            </p:extLst>
+          </p:nvPr>
+        </p:nvSpPr>
+        <p:spPr>
+          <a:xfrm>
+            <a:off x="0" y="0"/>
+            <a:ext cx="12192000" cy="6858000"/>
+          </a:xfrm>
+          <a:prstGeom prst="rect">
+            <a:avLst/>
+          </a:prstGeom>
+          <a:ln w="12700" cap="flat" cmpd="sng" algn="ctr">
+            <a:noFill/>
+            <a:prstDash val="solid"/>
+            <a:miter lim="800000"/>
+          </a:ln>
+          <a:effectLst/>
+          <a:extLst>
+            <a:ext uri="{91240B29-F687-4F45-9708-019B960494DF}">
+              <a14:hiddenLine xmlns:a14="http://schemas.microsoft.com/office/drawing/2010/main" w="12700" cap="flat" cmpd="sng" algn="ctr">
+                <a:solidFill>
+                  <a:schemeClr val="accent1">
+                    <a:shade val="50000"/>
+                  </a:schemeClr>
+                </a:solidFill>
+                <a:prstDash val="solid"/>
+                <a:miter lim="800000"/>
+              </a14:hiddenLine>
+            </a:ext>
+          </a:extLst>
+        </p:spPr>
+        <p:style>
+          <a:lnRef idx="2">
+            <a:schemeClr val="accent1">
+              <a:shade val="50000"/>
+            </a:schemeClr>
+          </a:lnRef>
+          <a:fillRef idx="1">
+            <a:schemeClr val="accent1"/>
+          </a:fillRef>
+          <a:effectRef idx="0">
+            <a:schemeClr val="accent1"/>
+          </a:effectRef>
+          <a:fontRef idx="minor">
+            <a:schemeClr val="lt1"/>
+          </a:fontRef>
+        </p:style>
+        <p:txBody>
+          <a:bodyPr rtlCol="0" anchor="ctr"/>
+          <a:lstStyle/>
+          <a:p>
+            <a:pPr algn="ctr"/>
+            <a:endParaRPr lang="en-US"/>
+          </a:p>
+        </p:txBody>
+      </p:sp>
+      <p:sp>
+        <p:nvSpPr>
+          <p:cNvPr id="10" name="Rectangle 9">
+            <a:extLst>
+              <a:ext uri="{FF2B5EF4-FFF2-40B4-BE49-F238E27FC236}">
+                <a16:creationId xmlns:a16="http://schemas.microsoft.com/office/drawing/2014/main" id="{D90EEF5A-FEA5-D610-6A97-F16A3F1351ED}"/>
+              </a:ext>
+              <a:ext uri="{C183D7F6-B498-43B3-948B-1728B52AA6E4}">
+                <adec:decorative xmlns:adec="http://schemas.microsoft.com/office/drawing/2017/decorative" val="1"/>
+              </a:ext>
+            </a:extLst>
+          </p:cNvPr>
+          <p:cNvSpPr>
+            <a:spLocks noGrp="1" noRot="1" noChangeAspect="1" noMove="1" noResize="1" noEditPoints="1" noAdjustHandles="1" noChangeArrowheads="1" noChangeShapeType="1" noTextEdit="1"/>
+          </p:cNvSpPr>
+          <p:nvPr>
+            <p:extLst>
+              <p:ext uri="{386F3935-93C4-4BCD-93E2-E3B085C9AB24}">
+                <p16:designElem xmlns:p16="http://schemas.microsoft.com/office/powerpoint/2015/main" val="1"/>
+              </p:ext>
+            </p:extLst>
+          </p:nvPr>
+        </p:nvSpPr>
+        <p:spPr>
+          <a:xfrm>
+            <a:off x="0" y="0"/>
+            <a:ext cx="12192000" cy="6858000"/>
+          </a:xfrm>
+          <a:prstGeom prst="rect">
+            <a:avLst/>
+          </a:prstGeom>
+          <a:solidFill>
+            <a:schemeClr val="accent2">
+              <a:lumMod val="20000"/>
+              <a:lumOff val="80000"/>
+            </a:schemeClr>
+          </a:solidFill>
+          <a:ln>
+            <a:noFill/>
+          </a:ln>
+        </p:spPr>
+        <p:style>
+          <a:lnRef idx="2">
+            <a:schemeClr val="accent1">
+              <a:shade val="50000"/>
+            </a:schemeClr>
+          </a:lnRef>
+          <a:fillRef idx="1">
+            <a:schemeClr val="accent1"/>
+          </a:fillRef>
+          <a:effectRef idx="0">
+            <a:schemeClr val="accent1"/>
+          </a:effectRef>
+          <a:fontRef idx="minor">
+            <a:schemeClr val="lt1"/>
+          </a:fontRef>
+        </p:style>
+        <p:txBody>
+          <a:bodyPr rtlCol="0" anchor="ctr"/>
+          <a:lstStyle/>
+          <a:p>
+            <a:pPr algn="ctr"/>
+            <a:endParaRPr lang="en-US"/>
+          </a:p>
+        </p:txBody>
+      </p:sp>
+      <p:sp>
+        <p:nvSpPr>
+          <p:cNvPr id="12" name="Rectangle 11">
+            <a:extLst>
+              <a:ext uri="{FF2B5EF4-FFF2-40B4-BE49-F238E27FC236}">
+                <a16:creationId xmlns:a16="http://schemas.microsoft.com/office/drawing/2014/main" id="{177A7EC9-4E6D-6D46-9BA3-A0C4DE94E58A}"/>
+              </a:ext>
+              <a:ext uri="{C183D7F6-B498-43B3-948B-1728B52AA6E4}">
+                <adec:decorative xmlns:adec="http://schemas.microsoft.com/office/drawing/2017/decorative" val="1"/>
+              </a:ext>
+            </a:extLst>
+          </p:cNvPr>
+          <p:cNvSpPr>
+            <a:spLocks noGrp="1" noRot="1" noChangeAspect="1" noMove="1" noResize="1" noEditPoints="1" noAdjustHandles="1" noChangeArrowheads="1" noChangeShapeType="1" noTextEdit="1"/>
+          </p:cNvSpPr>
+          <p:nvPr>
+            <p:extLst>
+              <p:ext uri="{386F3935-93C4-4BCD-93E2-E3B085C9AB24}">
+                <p16:designElem xmlns:p16="http://schemas.microsoft.com/office/powerpoint/2015/main" val="1"/>
+              </p:ext>
+            </p:extLst>
+          </p:nvPr>
+        </p:nvSpPr>
+        <p:spPr>
+          <a:xfrm>
+            <a:off x="685800" y="685800"/>
+            <a:ext cx="10820400" cy="5486400"/>
+          </a:xfrm>
+          <a:prstGeom prst="rect">
+            <a:avLst/>
+          </a:prstGeom>
+          <a:solidFill>
+            <a:schemeClr val="bg1"/>
+          </a:solidFill>
+          <a:ln>
+            <a:noFill/>
+          </a:ln>
+        </p:spPr>
+        <p:style>
+          <a:lnRef idx="2">
+            <a:schemeClr val="accent1">
+              <a:shade val="50000"/>
+            </a:schemeClr>
+          </a:lnRef>
+          <a:fillRef idx="1">
+            <a:schemeClr val="accent1"/>
+          </a:fillRef>
+          <a:effectRef idx="0">
+            <a:schemeClr val="accent1"/>
+          </a:effectRef>
+          <a:fontRef idx="minor">
+            <a:schemeClr val="lt1"/>
+          </a:fontRef>
+        </p:style>
+        <p:txBody>
+          <a:bodyPr rtlCol="0" anchor="ctr"/>
+          <a:lstStyle/>
+          <a:p>
+            <a:pPr algn="ctr"/>
+            <a:endParaRPr lang="en-US"/>
+          </a:p>
+        </p:txBody>
+      </p:sp>
+      <mc:AlternateContent xmlns:mc="http://schemas.openxmlformats.org/markup-compatibility/2006">
+        <mc:Choice xmlns:p14="http://schemas.microsoft.com/office/powerpoint/2010/main" Requires="p14">
+          <p:contentPart p14:bwMode="auto" r:id="rId3">
+            <p14:nvContentPartPr>
+              <p14:cNvPr id="26" name="インク 25">
+                <a:extLst>
+                  <a:ext uri="{FF2B5EF4-FFF2-40B4-BE49-F238E27FC236}">
+                    <a16:creationId xmlns:a16="http://schemas.microsoft.com/office/drawing/2014/main" id="{6ACBB7F5-7D1F-C9EA-FF25-82D1DC5E06E9}"/>
+                  </a:ext>
+                </a:extLst>
+              </p14:cNvPr>
+              <p14:cNvContentPartPr/>
+              <p14:nvPr/>
+            </p14:nvContentPartPr>
+            <p14:xfrm>
+              <a:off x="2457202" y="6360366"/>
+              <a:ext cx="7277594" cy="129422"/>
+            </p14:xfrm>
+          </p:contentPart>
+        </mc:Choice>
+        <mc:Fallback>
+          <p:pic>
+            <p:nvPicPr>
+              <p:cNvPr id="26" name="インク 25">
+                <a:extLst>
+                  <a:ext uri="{FF2B5EF4-FFF2-40B4-BE49-F238E27FC236}">
+                    <a16:creationId xmlns:a16="http://schemas.microsoft.com/office/drawing/2014/main" id="{6ACBB7F5-7D1F-C9EA-FF25-82D1DC5E06E9}"/>
+                  </a:ext>
+                </a:extLst>
+              </p:cNvPr>
+              <p:cNvPicPr/>
+              <p:nvPr/>
+            </p:nvPicPr>
+            <p:blipFill>
+              <a:blip r:embed="rId4"/>
+              <a:stretch>
+                <a:fillRect/>
+              </a:stretch>
+            </p:blipFill>
+            <p:spPr>
+              <a:xfrm>
+                <a:off x="2403203" y="6252514"/>
+                <a:ext cx="7385232" cy="344766"/>
+              </a:xfrm>
+              <a:prstGeom prst="rect">
+                <a:avLst/>
+              </a:prstGeom>
+            </p:spPr>
+          </p:pic>
+        </mc:Fallback>
+      </mc:AlternateContent>
+      <p:sp>
+        <p:nvSpPr>
+          <p:cNvPr id="2" name="タイトル 1">
+            <a:extLst>
+              <a:ext uri="{FF2B5EF4-FFF2-40B4-BE49-F238E27FC236}">
+                <a16:creationId xmlns:a16="http://schemas.microsoft.com/office/drawing/2014/main" id="{FE5CCECE-3394-BAB7-AA5A-5D547EA3BBD1}"/>
+              </a:ext>
+            </a:extLst>
+          </p:cNvPr>
+          <p:cNvSpPr txBox="1">
+            <a:spLocks/>
+          </p:cNvSpPr>
+          <p:nvPr/>
+        </p:nvSpPr>
+        <p:spPr>
+          <a:xfrm>
+            <a:off x="838199" y="596415"/>
+            <a:ext cx="10515600" cy="1325563"/>
+          </a:xfrm>
+          <a:prstGeom prst="rect">
+            <a:avLst/>
+          </a:prstGeom>
+        </p:spPr>
+        <p:txBody>
+          <a:bodyPr vert="horz" lIns="91440" tIns="45720" rIns="91440" bIns="45720" rtlCol="0" anchor="b">
+            <a:normAutofit/>
+          </a:bodyPr>
+          <a:lstStyle>
+            <a:lvl1pPr algn="ctr" defTabSz="914400" rtl="0" eaLnBrk="1" latinLnBrk="0" hangingPunct="1">
+              <a:lnSpc>
+                <a:spcPct val="90000"/>
+              </a:lnSpc>
+              <a:spcBef>
+                <a:spcPct val="0"/>
+              </a:spcBef>
+              <a:buNone/>
+              <a:defRPr kumimoji="1" sz="6000" kern="1200">
+                <a:solidFill>
+                  <a:schemeClr val="tx1"/>
+                </a:solidFill>
+                <a:latin typeface="+mj-lt"/>
+                <a:ea typeface="+mj-ea"/>
+                <a:cs typeface="+mj-cs"/>
+              </a:defRPr>
+            </a:lvl1pPr>
+          </a:lstStyle>
+          <a:p>
+            <a:pPr algn="l"/>
+            <a:r>
+              <a:rPr lang="ja-JP" altLang="en-US" b="1" dirty="0"/>
+              <a:t>画面遷移</a:t>
+            </a:r>
+          </a:p>
+        </p:txBody>
+      </p:sp>
+      <p:sp>
+        <p:nvSpPr>
+          <p:cNvPr id="3" name="四角形: 角を丸くする 2">
+            <a:extLst>
+              <a:ext uri="{FF2B5EF4-FFF2-40B4-BE49-F238E27FC236}">
+                <a16:creationId xmlns:a16="http://schemas.microsoft.com/office/drawing/2014/main" id="{84DC7D7D-E2EF-86E9-AB0E-63223010651A}"/>
+              </a:ext>
+            </a:extLst>
+          </p:cNvPr>
+          <p:cNvSpPr/>
+          <p:nvPr/>
+        </p:nvSpPr>
+        <p:spPr>
+          <a:xfrm>
+            <a:off x="3096992" y="2150578"/>
+            <a:ext cx="1698171" cy="914400"/>
+          </a:xfrm>
+          <a:prstGeom prst="roundRect">
+            <a:avLst/>
+          </a:prstGeom>
+          <a:ln w="57150">
+            <a:solidFill>
+              <a:schemeClr val="accent2">
+                <a:lumMod val="40000"/>
+                <a:lumOff val="60000"/>
+              </a:schemeClr>
+            </a:solidFill>
+          </a:ln>
+        </p:spPr>
+        <p:style>
+          <a:lnRef idx="2">
+            <a:schemeClr val="accent6"/>
+          </a:lnRef>
+          <a:fillRef idx="1">
+            <a:schemeClr val="lt1"/>
+          </a:fillRef>
+          <a:effectRef idx="0">
+            <a:schemeClr val="accent6"/>
+          </a:effectRef>
+          <a:fontRef idx="minor">
+            <a:schemeClr val="dk1"/>
+          </a:fontRef>
+        </p:style>
+        <p:txBody>
+          <a:bodyPr rtlCol="0" anchor="ctr"/>
+          <a:lstStyle/>
+          <a:p>
+            <a:pPr algn="ctr"/>
+            <a:r>
+              <a:rPr kumimoji="1" lang="ja-JP" altLang="en-US" b="1" dirty="0"/>
+              <a:t>ホーム画面</a:t>
+            </a:r>
+          </a:p>
+        </p:txBody>
+      </p:sp>
+      <p:sp>
+        <p:nvSpPr>
+          <p:cNvPr id="9" name="四角形: 角を丸くする 8">
+            <a:extLst>
+              <a:ext uri="{FF2B5EF4-FFF2-40B4-BE49-F238E27FC236}">
+                <a16:creationId xmlns:a16="http://schemas.microsoft.com/office/drawing/2014/main" id="{06CCE1B4-09F0-127E-A798-A182FA935065}"/>
+              </a:ext>
+            </a:extLst>
+          </p:cNvPr>
+          <p:cNvSpPr/>
+          <p:nvPr/>
+        </p:nvSpPr>
+        <p:spPr>
+          <a:xfrm>
+            <a:off x="6966863" y="4726604"/>
+            <a:ext cx="1698171" cy="914400"/>
+          </a:xfrm>
+          <a:prstGeom prst="roundRect">
+            <a:avLst/>
+          </a:prstGeom>
+          <a:ln w="57150">
+            <a:solidFill>
+              <a:schemeClr val="accent2">
+                <a:lumMod val="40000"/>
+                <a:lumOff val="60000"/>
+              </a:schemeClr>
+            </a:solidFill>
+          </a:ln>
+        </p:spPr>
+        <p:style>
+          <a:lnRef idx="2">
+            <a:schemeClr val="accent6"/>
+          </a:lnRef>
+          <a:fillRef idx="1">
+            <a:schemeClr val="lt1"/>
+          </a:fillRef>
+          <a:effectRef idx="0">
+            <a:schemeClr val="accent6"/>
+          </a:effectRef>
+          <a:fontRef idx="minor">
+            <a:schemeClr val="dk1"/>
+          </a:fontRef>
+        </p:style>
+        <p:txBody>
+          <a:bodyPr rtlCol="0" anchor="ctr"/>
+          <a:lstStyle/>
+          <a:p>
+            <a:pPr algn="ctr"/>
+            <a:r>
+              <a:rPr lang="ja-JP" altLang="en-US" b="1" dirty="0"/>
+              <a:t>リスト画面</a:t>
+            </a:r>
+            <a:endParaRPr kumimoji="1" lang="ja-JP" altLang="en-US" b="1" dirty="0"/>
+          </a:p>
+        </p:txBody>
+      </p:sp>
+      <p:sp>
+        <p:nvSpPr>
+          <p:cNvPr id="11" name="四角形: 角を丸くする 10">
+            <a:extLst>
+              <a:ext uri="{FF2B5EF4-FFF2-40B4-BE49-F238E27FC236}">
+                <a16:creationId xmlns:a16="http://schemas.microsoft.com/office/drawing/2014/main" id="{5201F54D-5F05-7300-A9B4-4D0167E7475B}"/>
+              </a:ext>
+            </a:extLst>
+          </p:cNvPr>
+          <p:cNvSpPr/>
+          <p:nvPr/>
+        </p:nvSpPr>
+        <p:spPr>
+          <a:xfrm>
+            <a:off x="6966863" y="3421810"/>
+            <a:ext cx="1698171" cy="914400"/>
+          </a:xfrm>
+          <a:prstGeom prst="roundRect">
+            <a:avLst/>
+          </a:prstGeom>
+          <a:ln w="57150">
+            <a:solidFill>
+              <a:schemeClr val="accent2">
+                <a:lumMod val="40000"/>
+                <a:lumOff val="60000"/>
+              </a:schemeClr>
+            </a:solidFill>
+          </a:ln>
+        </p:spPr>
+        <p:style>
+          <a:lnRef idx="2">
+            <a:schemeClr val="accent6"/>
+          </a:lnRef>
+          <a:fillRef idx="1">
+            <a:schemeClr val="lt1"/>
+          </a:fillRef>
+          <a:effectRef idx="0">
+            <a:schemeClr val="accent6"/>
+          </a:effectRef>
+          <a:fontRef idx="minor">
+            <a:schemeClr val="dk1"/>
+          </a:fontRef>
+        </p:style>
+        <p:txBody>
+          <a:bodyPr rtlCol="0" anchor="ctr"/>
+          <a:lstStyle/>
+          <a:p>
+            <a:pPr algn="ctr"/>
+            <a:r>
+              <a:rPr kumimoji="1" lang="ja-JP" altLang="en-US" b="1" dirty="0"/>
+              <a:t>一覧画面</a:t>
+            </a:r>
+          </a:p>
+        </p:txBody>
+      </p:sp>
+      <p:sp>
+        <p:nvSpPr>
+          <p:cNvPr id="13" name="四角形: 角を丸くする 12">
+            <a:extLst>
+              <a:ext uri="{FF2B5EF4-FFF2-40B4-BE49-F238E27FC236}">
+                <a16:creationId xmlns:a16="http://schemas.microsoft.com/office/drawing/2014/main" id="{DA006469-CBF1-EF19-754E-C2D4D5A796F3}"/>
+              </a:ext>
+            </a:extLst>
+          </p:cNvPr>
+          <p:cNvSpPr/>
+          <p:nvPr/>
+        </p:nvSpPr>
+        <p:spPr>
+          <a:xfrm>
+            <a:off x="6966863" y="2150578"/>
+            <a:ext cx="1698171" cy="914400"/>
+          </a:xfrm>
+          <a:prstGeom prst="roundRect">
+            <a:avLst/>
+          </a:prstGeom>
+          <a:ln w="57150">
+            <a:solidFill>
+              <a:schemeClr val="accent2">
+                <a:lumMod val="40000"/>
+                <a:lumOff val="60000"/>
+              </a:schemeClr>
+            </a:solidFill>
+          </a:ln>
+        </p:spPr>
+        <p:style>
+          <a:lnRef idx="2">
+            <a:schemeClr val="accent6"/>
+          </a:lnRef>
+          <a:fillRef idx="1">
+            <a:schemeClr val="lt1"/>
+          </a:fillRef>
+          <a:effectRef idx="0">
+            <a:schemeClr val="accent6"/>
+          </a:effectRef>
+          <a:fontRef idx="minor">
+            <a:schemeClr val="dk1"/>
+          </a:fontRef>
+        </p:style>
+        <p:txBody>
+          <a:bodyPr rtlCol="0" anchor="ctr"/>
+          <a:lstStyle/>
+          <a:p>
+            <a:pPr algn="ctr"/>
+            <a:r>
+              <a:rPr kumimoji="1" lang="ja-JP" altLang="en-US" b="1" dirty="0"/>
+              <a:t>追加外面</a:t>
+            </a:r>
+          </a:p>
+        </p:txBody>
+      </p:sp>
+      <p:cxnSp>
+        <p:nvCxnSpPr>
+          <p:cNvPr id="15" name="直線矢印コネクタ 14">
+            <a:extLst>
+              <a:ext uri="{FF2B5EF4-FFF2-40B4-BE49-F238E27FC236}">
+                <a16:creationId xmlns:a16="http://schemas.microsoft.com/office/drawing/2014/main" id="{63B1AAF7-E049-CD2A-F475-06AEF68B68A9}"/>
+              </a:ext>
+            </a:extLst>
+          </p:cNvPr>
+          <p:cNvCxnSpPr>
+            <a:stCxn id="3" idx="3"/>
+            <a:endCxn id="13" idx="1"/>
+          </p:cNvCxnSpPr>
+          <p:nvPr/>
+        </p:nvCxnSpPr>
+        <p:spPr>
+          <a:xfrm>
+            <a:off x="4795163" y="2607778"/>
+            <a:ext cx="2171700" cy="0"/>
+          </a:xfrm>
+          <a:prstGeom prst="straightConnector1">
+            <a:avLst/>
+          </a:prstGeom>
+          <a:ln>
+            <a:tailEnd type="triangle"/>
+          </a:ln>
+        </p:spPr>
+        <p:style>
+          <a:lnRef idx="1">
+            <a:schemeClr val="dk1"/>
+          </a:lnRef>
+          <a:fillRef idx="0">
+            <a:schemeClr val="dk1"/>
+          </a:fillRef>
+          <a:effectRef idx="0">
+            <a:schemeClr val="dk1"/>
+          </a:effectRef>
+          <a:fontRef idx="minor">
+            <a:schemeClr val="tx1"/>
+          </a:fontRef>
+        </p:style>
+      </p:cxnSp>
+      <p:cxnSp>
+        <p:nvCxnSpPr>
+          <p:cNvPr id="18" name="コネクタ: カギ線 17">
+            <a:extLst>
+              <a:ext uri="{FF2B5EF4-FFF2-40B4-BE49-F238E27FC236}">
+                <a16:creationId xmlns:a16="http://schemas.microsoft.com/office/drawing/2014/main" id="{0312FE27-4428-27F3-2F83-E4935B3788DE}"/>
+              </a:ext>
+            </a:extLst>
+          </p:cNvPr>
+          <p:cNvCxnSpPr>
+            <a:cxnSpLocks/>
+            <a:endCxn id="9" idx="1"/>
+          </p:cNvCxnSpPr>
+          <p:nvPr/>
+        </p:nvCxnSpPr>
+        <p:spPr>
+          <a:xfrm rot="16200000" flipH="1">
+            <a:off x="5069244" y="3286185"/>
+            <a:ext cx="2576026" cy="1219212"/>
+          </a:xfrm>
+          <a:prstGeom prst="bentConnector2">
+            <a:avLst/>
+          </a:prstGeom>
+          <a:ln>
+            <a:tailEnd type="triangle"/>
+          </a:ln>
+        </p:spPr>
+        <p:style>
+          <a:lnRef idx="1">
+            <a:schemeClr val="dk1"/>
+          </a:lnRef>
+          <a:fillRef idx="0">
+            <a:schemeClr val="dk1"/>
+          </a:fillRef>
+          <a:effectRef idx="0">
+            <a:schemeClr val="dk1"/>
+          </a:effectRef>
+          <a:fontRef idx="minor">
+            <a:schemeClr val="tx1"/>
+          </a:fontRef>
+        </p:style>
+      </p:cxnSp>
+      <p:cxnSp>
+        <p:nvCxnSpPr>
+          <p:cNvPr id="22" name="直線矢印コネクタ 21">
+            <a:extLst>
+              <a:ext uri="{FF2B5EF4-FFF2-40B4-BE49-F238E27FC236}">
+                <a16:creationId xmlns:a16="http://schemas.microsoft.com/office/drawing/2014/main" id="{5FFCD63B-F266-41ED-0509-3559FF593791}"/>
+              </a:ext>
+            </a:extLst>
+          </p:cNvPr>
+          <p:cNvCxnSpPr>
+            <a:cxnSpLocks/>
+            <a:endCxn id="11" idx="1"/>
+          </p:cNvCxnSpPr>
+          <p:nvPr/>
+        </p:nvCxnSpPr>
+        <p:spPr>
+          <a:xfrm>
+            <a:off x="5747651" y="3879010"/>
+            <a:ext cx="1219212" cy="0"/>
+          </a:xfrm>
+          <a:prstGeom prst="straightConnector1">
+            <a:avLst/>
+          </a:prstGeom>
+          <a:ln>
+            <a:tailEnd type="triangle"/>
+          </a:ln>
+        </p:spPr>
+        <p:style>
+          <a:lnRef idx="1">
+            <a:schemeClr val="dk1"/>
+          </a:lnRef>
+          <a:fillRef idx="0">
+            <a:schemeClr val="dk1"/>
+          </a:fillRef>
+          <a:effectRef idx="0">
+            <a:schemeClr val="dk1"/>
+          </a:effectRef>
+          <a:fontRef idx="minor">
+            <a:schemeClr val="tx1"/>
+          </a:fontRef>
+        </p:style>
+      </p:cxnSp>
+    </p:spTree>
+    <p:extLst>
+      <p:ext uri="{BB962C8B-B14F-4D97-AF65-F5344CB8AC3E}">
+        <p14:creationId xmlns:p14="http://schemas.microsoft.com/office/powerpoint/2010/main" val="2633910790"/>
+      </p:ext>
+    </p:extLst>
+  </p:cSld>
+  <p:clrMapOvr>
+    <a:masterClrMapping/>
+  </p:clrMapOvr>
+</p:sld>
+</file>
+
+<file path=ppt/slides/slide9.xml><?xml version="1.0" encoding="utf-8"?>
 <p:sld xmlns:a="http://schemas.openxmlformats.org/drawingml/2006/main" xmlns:r="http://schemas.openxmlformats.org/officeDocument/2006/relationships" xmlns:p="http://schemas.openxmlformats.org/presentationml/2006/main">
   <p:cSld>
     <p:spTree>
@@ -8138,4 +9338,319 @@
     </a:ext>
   </a:extLst>
 </a:theme>
+</file>
+
+<file path=ppt/theme/theme2.xml><?xml version="1.0" encoding="utf-8"?>
+<a:theme xmlns:a="http://schemas.openxmlformats.org/drawingml/2006/main" name="Office テーマ">
+  <a:themeElements>
+    <a:clrScheme name="Office">
+      <a:dk1>
+        <a:sysClr val="windowText" lastClr="000000"/>
+      </a:dk1>
+      <a:lt1>
+        <a:sysClr val="window" lastClr="FFFFFF"/>
+      </a:lt1>
+      <a:dk2>
+        <a:srgbClr val="0E2841"/>
+      </a:dk2>
+      <a:lt2>
+        <a:srgbClr val="E8E8E8"/>
+      </a:lt2>
+      <a:accent1>
+        <a:srgbClr val="156082"/>
+      </a:accent1>
+      <a:accent2>
+        <a:srgbClr val="E97132"/>
+      </a:accent2>
+      <a:accent3>
+        <a:srgbClr val="196B24"/>
+      </a:accent3>
+      <a:accent4>
+        <a:srgbClr val="0F9ED5"/>
+      </a:accent4>
+      <a:accent5>
+        <a:srgbClr val="A02B93"/>
+      </a:accent5>
+      <a:accent6>
+        <a:srgbClr val="4EA72E"/>
+      </a:accent6>
+      <a:hlink>
+        <a:srgbClr val="467886"/>
+      </a:hlink>
+      <a:folHlink>
+        <a:srgbClr val="96607D"/>
+      </a:folHlink>
+    </a:clrScheme>
+    <a:fontScheme name="Office">
+      <a:majorFont>
+        <a:latin typeface="游ゴシック Light" panose="02110004020202020204"/>
+        <a:ea typeface=""/>
+        <a:cs typeface=""/>
+        <a:font script="Jpan" typeface="游ゴシック Light"/>
+        <a:font script="Hang" typeface="맑은 고딕"/>
+        <a:font script="Hans" typeface="等线 Light"/>
+        <a:font script="Hant" typeface="新細明體"/>
+        <a:font script="Arab" typeface="Times New Roman"/>
+        <a:font script="Hebr" typeface="Times New Roman"/>
+        <a:font script="Thai" typeface="Angsana New"/>
+        <a:font script="Ethi" typeface="Nyala"/>
+        <a:font script="Beng" typeface="Vrinda"/>
+        <a:font script="Gujr" typeface="Shruti"/>
+        <a:font script="Khmr" typeface="MoolBoran"/>
+        <a:font script="Knda" typeface="Tunga"/>
+        <a:font script="Guru" typeface="Raavi"/>
+        <a:font script="Cans" typeface="Euphemia"/>
+        <a:font script="Cher" typeface="Plantagenet Cherokee"/>
+        <a:font script="Yiii" typeface="Microsoft Yi Baiti"/>
+        <a:font script="Tibt" typeface="Microsoft Himalaya"/>
+        <a:font script="Thaa" typeface="MV Boli"/>
+        <a:font script="Deva" typeface="Mangal"/>
+        <a:font script="Telu" typeface="Gautami"/>
+        <a:font script="Taml" typeface="Latha"/>
+        <a:font script="Syrc" typeface="Estrangelo Edessa"/>
+        <a:font script="Orya" typeface="Kalinga"/>
+        <a:font script="Mlym" typeface="Kartika"/>
+        <a:font script="Laoo" typeface="DokChampa"/>
+        <a:font script="Sinh" typeface="Iskoola Pota"/>
+        <a:font script="Mong" typeface="Mongolian Baiti"/>
+        <a:font script="Viet" typeface="Times New Roman"/>
+        <a:font script="Uigh" typeface="Microsoft Uighur"/>
+        <a:font script="Geor" typeface="Sylfaen"/>
+        <a:font script="Armn" typeface="Arial"/>
+        <a:font script="Bugi" typeface="Leelawadee UI"/>
+        <a:font script="Bopo" typeface="Microsoft JhengHei"/>
+        <a:font script="Java" typeface="Javanese Text"/>
+        <a:font script="Lisu" typeface="Segoe UI"/>
+        <a:font script="Mymr" typeface="Myanmar Text"/>
+        <a:font script="Nkoo" typeface="Ebrima"/>
+        <a:font script="Olck" typeface="Nirmala UI"/>
+        <a:font script="Osma" typeface="Ebrima"/>
+        <a:font script="Phag" typeface="Phagspa"/>
+        <a:font script="Syrn" typeface="Estrangelo Edessa"/>
+        <a:font script="Syrj" typeface="Estrangelo Edessa"/>
+        <a:font script="Syre" typeface="Estrangelo Edessa"/>
+        <a:font script="Sora" typeface="Nirmala UI"/>
+        <a:font script="Tale" typeface="Microsoft Tai Le"/>
+        <a:font script="Talu" typeface="Microsoft New Tai Lue"/>
+        <a:font script="Tfng" typeface="Ebrima"/>
+      </a:majorFont>
+      <a:minorFont>
+        <a:latin typeface="游ゴシック" panose="02110004020202020204"/>
+        <a:ea typeface=""/>
+        <a:cs typeface=""/>
+        <a:font script="Jpan" typeface="游ゴシック"/>
+        <a:font script="Hang" typeface="맑은 고딕"/>
+        <a:font script="Hans" typeface="等线"/>
+        <a:font script="Hant" typeface="新細明體"/>
+        <a:font script="Arab" typeface="Arial"/>
+        <a:font script="Hebr" typeface="Arial"/>
+        <a:font script="Thai" typeface="Cordia New"/>
+        <a:font script="Ethi" typeface="Nyala"/>
+        <a:font script="Beng" typeface="Vrinda"/>
+        <a:font script="Gujr" typeface="Shruti"/>
+        <a:font script="Khmr" typeface="DaunPenh"/>
+        <a:font script="Knda" typeface="Tunga"/>
+        <a:font script="Guru" typeface="Raavi"/>
+        <a:font script="Cans" typeface="Euphemia"/>
+        <a:font script="Cher" typeface="Plantagenet Cherokee"/>
+        <a:font script="Yiii" typeface="Microsoft Yi Baiti"/>
+        <a:font script="Tibt" typeface="Microsoft Himalaya"/>
+        <a:font script="Thaa" typeface="MV Boli"/>
+        <a:font script="Deva" typeface="Mangal"/>
+        <a:font script="Telu" typeface="Gautami"/>
+        <a:font script="Taml" typeface="Latha"/>
+        <a:font script="Syrc" typeface="Estrangelo Edessa"/>
+        <a:font script="Orya" typeface="Kalinga"/>
+        <a:font script="Mlym" typeface="Kartika"/>
+        <a:font script="Laoo" typeface="DokChampa"/>
+        <a:font script="Sinh" typeface="Iskoola Pota"/>
+        <a:font script="Mong" typeface="Mongolian Baiti"/>
+        <a:font script="Viet" typeface="Arial"/>
+        <a:font script="Uigh" typeface="Microsoft Uighur"/>
+        <a:font script="Geor" typeface="Sylfaen"/>
+        <a:font script="Armn" typeface="Arial"/>
+        <a:font script="Bugi" typeface="Leelawadee UI"/>
+        <a:font script="Bopo" typeface="Microsoft JhengHei"/>
+        <a:font script="Java" typeface="Javanese Text"/>
+        <a:font script="Lisu" typeface="Segoe UI"/>
+        <a:font script="Mymr" typeface="Myanmar Text"/>
+        <a:font script="Nkoo" typeface="Ebrima"/>
+        <a:font script="Olck" typeface="Nirmala UI"/>
+        <a:font script="Osma" typeface="Ebrima"/>
+        <a:font script="Phag" typeface="Phagspa"/>
+        <a:font script="Syrn" typeface="Estrangelo Edessa"/>
+        <a:font script="Syrj" typeface="Estrangelo Edessa"/>
+        <a:font script="Syre" typeface="Estrangelo Edessa"/>
+        <a:font script="Sora" typeface="Nirmala UI"/>
+        <a:font script="Tale" typeface="Microsoft Tai Le"/>
+        <a:font script="Talu" typeface="Microsoft New Tai Lue"/>
+        <a:font script="Tfng" typeface="Ebrima"/>
+      </a:minorFont>
+    </a:fontScheme>
+    <a:fmtScheme name="Office">
+      <a:fillStyleLst>
+        <a:solidFill>
+          <a:schemeClr val="phClr"/>
+        </a:solidFill>
+        <a:gradFill rotWithShape="1">
+          <a:gsLst>
+            <a:gs pos="0">
+              <a:schemeClr val="phClr">
+                <a:lumMod val="110000"/>
+                <a:satMod val="105000"/>
+                <a:tint val="67000"/>
+              </a:schemeClr>
+            </a:gs>
+            <a:gs pos="50000">
+              <a:schemeClr val="phClr">
+                <a:lumMod val="105000"/>
+                <a:satMod val="103000"/>
+                <a:tint val="73000"/>
+              </a:schemeClr>
+            </a:gs>
+            <a:gs pos="100000">
+              <a:schemeClr val="phClr">
+                <a:lumMod val="105000"/>
+                <a:satMod val="109000"/>
+                <a:tint val="81000"/>
+              </a:schemeClr>
+            </a:gs>
+          </a:gsLst>
+          <a:lin ang="5400000" scaled="0"/>
+        </a:gradFill>
+        <a:gradFill rotWithShape="1">
+          <a:gsLst>
+            <a:gs pos="0">
+              <a:schemeClr val="phClr">
+                <a:satMod val="103000"/>
+                <a:lumMod val="102000"/>
+                <a:tint val="94000"/>
+              </a:schemeClr>
+            </a:gs>
+            <a:gs pos="50000">
+              <a:schemeClr val="phClr">
+                <a:satMod val="110000"/>
+                <a:lumMod val="100000"/>
+                <a:shade val="100000"/>
+              </a:schemeClr>
+            </a:gs>
+            <a:gs pos="100000">
+              <a:schemeClr val="phClr">
+                <a:lumMod val="99000"/>
+                <a:satMod val="120000"/>
+                <a:shade val="78000"/>
+              </a:schemeClr>
+            </a:gs>
+          </a:gsLst>
+          <a:lin ang="5400000" scaled="0"/>
+        </a:gradFill>
+      </a:fillStyleLst>
+      <a:lnStyleLst>
+        <a:ln w="12700" cap="flat" cmpd="sng" algn="ctr">
+          <a:solidFill>
+            <a:schemeClr val="phClr"/>
+          </a:solidFill>
+          <a:prstDash val="solid"/>
+          <a:miter lim="800000"/>
+        </a:ln>
+        <a:ln w="19050" cap="flat" cmpd="sng" algn="ctr">
+          <a:solidFill>
+            <a:schemeClr val="phClr"/>
+          </a:solidFill>
+          <a:prstDash val="solid"/>
+          <a:miter lim="800000"/>
+        </a:ln>
+        <a:ln w="25400" cap="flat" cmpd="sng" algn="ctr">
+          <a:solidFill>
+            <a:schemeClr val="phClr"/>
+          </a:solidFill>
+          <a:prstDash val="solid"/>
+          <a:miter lim="800000"/>
+        </a:ln>
+      </a:lnStyleLst>
+      <a:effectStyleLst>
+        <a:effectStyle>
+          <a:effectLst/>
+        </a:effectStyle>
+        <a:effectStyle>
+          <a:effectLst/>
+        </a:effectStyle>
+        <a:effectStyle>
+          <a:effectLst>
+            <a:outerShdw blurRad="57150" dist="19050" dir="5400000" algn="ctr" rotWithShape="0">
+              <a:srgbClr val="000000">
+                <a:alpha val="63000"/>
+              </a:srgbClr>
+            </a:outerShdw>
+          </a:effectLst>
+        </a:effectStyle>
+      </a:effectStyleLst>
+      <a:bgFillStyleLst>
+        <a:solidFill>
+          <a:schemeClr val="phClr"/>
+        </a:solidFill>
+        <a:solidFill>
+          <a:schemeClr val="phClr">
+            <a:tint val="95000"/>
+            <a:satMod val="170000"/>
+          </a:schemeClr>
+        </a:solidFill>
+        <a:gradFill rotWithShape="1">
+          <a:gsLst>
+            <a:gs pos="0">
+              <a:schemeClr val="phClr">
+                <a:tint val="93000"/>
+                <a:satMod val="150000"/>
+                <a:shade val="98000"/>
+                <a:lumMod val="102000"/>
+              </a:schemeClr>
+            </a:gs>
+            <a:gs pos="50000">
+              <a:schemeClr val="phClr">
+                <a:tint val="98000"/>
+                <a:satMod val="130000"/>
+                <a:shade val="90000"/>
+                <a:lumMod val="103000"/>
+              </a:schemeClr>
+            </a:gs>
+            <a:gs pos="100000">
+              <a:schemeClr val="phClr">
+                <a:shade val="63000"/>
+                <a:satMod val="120000"/>
+              </a:schemeClr>
+            </a:gs>
+          </a:gsLst>
+          <a:lin ang="5400000" scaled="0"/>
+        </a:gradFill>
+      </a:bgFillStyleLst>
+    </a:fmtScheme>
+  </a:themeElements>
+  <a:objectDefaults>
+    <a:lnDef>
+      <a:spPr/>
+      <a:bodyPr/>
+      <a:lstStyle/>
+      <a:style>
+        <a:lnRef idx="2">
+          <a:schemeClr val="accent1"/>
+        </a:lnRef>
+        <a:fillRef idx="0">
+          <a:schemeClr val="accent1"/>
+        </a:fillRef>
+        <a:effectRef idx="1">
+          <a:schemeClr val="accent1"/>
+        </a:effectRef>
+        <a:fontRef idx="minor">
+          <a:schemeClr val="tx1"/>
+        </a:fontRef>
+      </a:style>
+    </a:lnDef>
+  </a:objectDefaults>
+  <a:extraClrSchemeLst/>
+  <a:extLst>
+    <a:ext uri="{05A4C25C-085E-4340-85A3-A5531E510DB2}">
+      <thm15:themeFamily xmlns:thm15="http://schemas.microsoft.com/office/thememl/2012/main" name="Office Theme" id="{2E142A2C-CD16-42D6-873A-C26D2A0506FA}" vid="{1BDDFF52-6CD6-40A5-AB3C-68EB2F1E4D0A}"/>
+    </a:ext>
+  </a:extLst>
+</a:theme>
 </file>
--- a/lib/project/仕様書.pptx
+++ b/lib/project/仕様書.pptx
@@ -5,7 +5,7 @@
     <p:sldMasterId id="2147483648" r:id="rId1"/>
   </p:sldMasterIdLst>
   <p:notesMasterIdLst>
-    <p:notesMasterId r:id="rId11"/>
+    <p:notesMasterId r:id="rId13"/>
   </p:notesMasterIdLst>
   <p:sldIdLst>
     <p:sldId id="256" r:id="rId2"/>
@@ -16,7 +16,9 @@
     <p:sldId id="269" r:id="rId7"/>
     <p:sldId id="270" r:id="rId8"/>
     <p:sldId id="271" r:id="rId9"/>
-    <p:sldId id="263" r:id="rId10"/>
+    <p:sldId id="274" r:id="rId10"/>
+    <p:sldId id="273" r:id="rId11"/>
+    <p:sldId id="272" r:id="rId12"/>
   </p:sldIdLst>
   <p:sldSz cx="12192000" cy="6858000"/>
   <p:notesSz cx="6858000" cy="9144000"/>
@@ -149,6 +151,64 @@
     </inkml:brush>
   </inkml:definitions>
   <inkml:trace contextRef="#ctx0" brushRef="#br0">1 426,'337'-19,"-124"2,1518 14,-231 44,2185-44,-2271 4,-1104-17,-49 2,-21 11,189-7,297-10,2 21,-240 1,-444-2,460-12,384-8,-724 21,278-31,-88 2,-26 14,241-6,-334 20,353-10,-167-6,-260 12,575-73,-585 49,110-14,238 35,-299 10,2090-3,-1781-25,-486 23,131-12,155-6,660 21,-948 1,-1 0,1 1,20 6,-18-4,45 5,0-4,-1 3,0 3,91 28,-109-29,80 10,-43-9,-9 2,-23-4,0-2,68 2,-81-10,-2-1</inkml:trace>
+</inkml:ink>
+</file>
+
+<file path=ppt/ink/ink10.xml><?xml version="1.0" encoding="utf-8"?>
+<inkml:ink xmlns:inkml="http://www.w3.org/2003/InkML">
+  <inkml:definitions>
+    <inkml:context xml:id="ctx0">
+      <inkml:inkSource xml:id="inkSrc0">
+        <inkml:traceFormat>
+          <inkml:channel name="X" type="integer" min="-2.14748E9" max="2.14748E9" units="cm"/>
+          <inkml:channel name="Y" type="integer" min="-2.14748E9" max="2.14748E9" units="cm"/>
+        </inkml:traceFormat>
+        <inkml:channelProperties>
+          <inkml:channelProperty channel="X" name="resolution" value="1000" units="1/cm"/>
+          <inkml:channelProperty channel="Y" name="resolution" value="1000" units="1/cm"/>
+        </inkml:channelProperties>
+      </inkml:inkSource>
+      <inkml:timestamp xml:id="ts0" timeString="2025-07-15T05:17:14.095"/>
+    </inkml:context>
+    <inkml:brush xml:id="br0">
+      <inkml:brushProperty name="width" value="0.3" units="cm"/>
+      <inkml:brushProperty name="height" value="0.6" units="cm"/>
+      <inkml:brushProperty name="color" value="#FFFC00"/>
+      <inkml:brushProperty name="tip" value="rectangle"/>
+      <inkml:brushProperty name="rasterOp" value="maskPen"/>
+      <inkml:brushProperty name="ignorePressure" value="1"/>
+    </inkml:brush>
+  </inkml:definitions>
+  <inkml:trace contextRef="#ctx0" brushRef="#br0">1 358,'283'-16,"-104"2,1275 11,-194 38,1835-38,-1907 4,-928-14,-40 1,-19 9,159-5,250-9,2 18,-202 1,-373-2,386-10,323-7,-608 18,233-27,-74 3,-21 11,202-5,-281 17,297-8,-140-6,-219 11,483-62,-491 42,92-12,200 29,-251 8,1756-2,-1497-21,-407 20,109-11,131-5,554 18,-797 1,0-1,1 2,16 4,-15-3,38 5,1-4,-2 2,0 4,77 22,-92-24,67 9,-35-8,-9 2,-18-4,-1-1,58 1,-69-8,-1 0</inkml:trace>
+</inkml:ink>
+</file>
+
+<file path=ppt/ink/ink11.xml><?xml version="1.0" encoding="utf-8"?>
+<inkml:ink xmlns:inkml="http://www.w3.org/2003/InkML">
+  <inkml:definitions>
+    <inkml:context xml:id="ctx0">
+      <inkml:inkSource xml:id="inkSrc0">
+        <inkml:traceFormat>
+          <inkml:channel name="X" type="integer" min="-2.14748E9" max="2.14748E9" units="cm"/>
+          <inkml:channel name="Y" type="integer" min="-2.14748E9" max="2.14748E9" units="cm"/>
+        </inkml:traceFormat>
+        <inkml:channelProperties>
+          <inkml:channelProperty channel="X" name="resolution" value="1000" units="1/cm"/>
+          <inkml:channelProperty channel="Y" name="resolution" value="1000" units="1/cm"/>
+        </inkml:channelProperties>
+      </inkml:inkSource>
+      <inkml:timestamp xml:id="ts0" timeString="2025-07-15T05:17:14.095"/>
+    </inkml:context>
+    <inkml:brush xml:id="br0">
+      <inkml:brushProperty name="width" value="0.3" units="cm"/>
+      <inkml:brushProperty name="height" value="0.6" units="cm"/>
+      <inkml:brushProperty name="color" value="#FFFC00"/>
+      <inkml:brushProperty name="tip" value="rectangle"/>
+      <inkml:brushProperty name="rasterOp" value="maskPen"/>
+      <inkml:brushProperty name="ignorePressure" value="1"/>
+    </inkml:brush>
+  </inkml:definitions>
+  <inkml:trace contextRef="#ctx0" brushRef="#br0">1 358,'283'-16,"-104"2,1275 11,-194 38,1835-38,-1907 4,-928-14,-40 1,-19 9,159-5,250-9,2 18,-202 1,-373-2,386-10,323-7,-608 18,233-27,-74 3,-21 11,202-5,-281 17,297-8,-140-6,-219 11,483-62,-491 42,92-12,200 29,-251 8,1756-2,-1497-21,-407 20,109-11,131-5,554 18,-797 1,0-1,1 2,16 4,-15-3,38 5,1-4,-2 2,0 4,77 22,-92-24,67 9,-35-8,-9 2,-18-4,-1-1,58 1,-69-8,-1 0</inkml:trace>
 </inkml:ink>
 </file>
 
@@ -326,6 +386,64 @@
 </inkml:ink>
 </file>
 
+<file path=ppt/ink/ink8.xml><?xml version="1.0" encoding="utf-8"?>
+<inkml:ink xmlns:inkml="http://www.w3.org/2003/InkML">
+  <inkml:definitions>
+    <inkml:context xml:id="ctx0">
+      <inkml:inkSource xml:id="inkSrc0">
+        <inkml:traceFormat>
+          <inkml:channel name="X" type="integer" min="-2.14748E9" max="2.14748E9" units="cm"/>
+          <inkml:channel name="Y" type="integer" min="-2.14748E9" max="2.14748E9" units="cm"/>
+        </inkml:traceFormat>
+        <inkml:channelProperties>
+          <inkml:channelProperty channel="X" name="resolution" value="1000" units="1/cm"/>
+          <inkml:channelProperty channel="Y" name="resolution" value="1000" units="1/cm"/>
+        </inkml:channelProperties>
+      </inkml:inkSource>
+      <inkml:timestamp xml:id="ts0" timeString="2025-07-15T05:17:14.095"/>
+    </inkml:context>
+    <inkml:brush xml:id="br0">
+      <inkml:brushProperty name="width" value="0.3" units="cm"/>
+      <inkml:brushProperty name="height" value="0.6" units="cm"/>
+      <inkml:brushProperty name="color" value="#FFFC00"/>
+      <inkml:brushProperty name="tip" value="rectangle"/>
+      <inkml:brushProperty name="rasterOp" value="maskPen"/>
+      <inkml:brushProperty name="ignorePressure" value="1"/>
+    </inkml:brush>
+  </inkml:definitions>
+  <inkml:trace contextRef="#ctx0" brushRef="#br0">1 358,'283'-16,"-104"2,1275 11,-194 38,1835-38,-1907 4,-928-14,-40 1,-19 9,159-5,250-9,2 18,-202 1,-373-2,386-10,323-7,-608 18,233-27,-74 3,-21 11,202-5,-281 17,297-8,-140-6,-219 11,483-62,-491 42,92-12,200 29,-251 8,1756-2,-1497-21,-407 20,109-11,131-5,554 18,-797 1,0-1,1 2,16 4,-15-3,38 5,1-4,-2 2,0 4,77 22,-92-24,67 9,-35-8,-9 2,-18-4,-1-1,58 1,-69-8,-1 0</inkml:trace>
+</inkml:ink>
+</file>
+
+<file path=ppt/ink/ink9.xml><?xml version="1.0" encoding="utf-8"?>
+<inkml:ink xmlns:inkml="http://www.w3.org/2003/InkML">
+  <inkml:definitions>
+    <inkml:context xml:id="ctx0">
+      <inkml:inkSource xml:id="inkSrc0">
+        <inkml:traceFormat>
+          <inkml:channel name="X" type="integer" min="-2.14748E9" max="2.14748E9" units="cm"/>
+          <inkml:channel name="Y" type="integer" min="-2.14748E9" max="2.14748E9" units="cm"/>
+        </inkml:traceFormat>
+        <inkml:channelProperties>
+          <inkml:channelProperty channel="X" name="resolution" value="1000" units="1/cm"/>
+          <inkml:channelProperty channel="Y" name="resolution" value="1000" units="1/cm"/>
+        </inkml:channelProperties>
+      </inkml:inkSource>
+      <inkml:timestamp xml:id="ts0" timeString="2025-07-16T01:54:55.602"/>
+    </inkml:context>
+    <inkml:brush xml:id="br0">
+      <inkml:brushProperty name="width" value="0.3" units="cm"/>
+      <inkml:brushProperty name="height" value="0.6" units="cm"/>
+      <inkml:brushProperty name="color" value="#FFFC00"/>
+      <inkml:brushProperty name="tip" value="rectangle"/>
+      <inkml:brushProperty name="rasterOp" value="maskPen"/>
+      <inkml:brushProperty name="ignorePressure" value="1"/>
+    </inkml:brush>
+  </inkml:definitions>
+  <inkml:trace contextRef="#ctx0" brushRef="#br0">1 2,'124'7,"-46"-1,558-4,-86-18,804 18,-835-3,-405 7,-18-1,-8-4,69 3,110 3,0-7,-88-1,-162 1,168 4,141 4,-266-9,102 13,-32-2,-9-5,88 2,-123-7,130 4,-61 2,-96-5,211 28,-215-19,41 5,87-12,-109-4,767 1,-655 9,-177-9,48 6,56 1,243-7,-348-1,-1 0,1 0,7-2,-7 1,17-2,0 2,0-1,-1-2,34-9,-40 10,30-4,-17 4,-3-2,-7 3,-2 0,26-1,-30 4,0 0</inkml:trace>
+</inkml:ink>
+</file>
+
 <file path=ppt/notesMasters/notesMaster1.xml><?xml version="1.0" encoding="utf-8"?>
 <p:notesMaster xmlns:a="http://schemas.openxmlformats.org/drawingml/2006/main" xmlns:r="http://schemas.openxmlformats.org/officeDocument/2006/relationships" xmlns:p="http://schemas.openxmlformats.org/presentationml/2006/main">
   <p:cSld>
@@ -408,7 +526,7 @@
           <a:p>
             <a:fld id="{65948F2E-E54C-42AD-BD40-D72B0021C1DE}" type="datetimeFigureOut">
               <a:rPr kumimoji="1" lang="ja-JP" altLang="en-US" smtClean="0"/>
-              <a:t>2025/7/15</a:t>
+              <a:t>2025/7/16</a:t>
             </a:fld>
             <a:endParaRPr kumimoji="1" lang="ja-JP" altLang="en-US"/>
           </a:p>
@@ -791,6 +909,114 @@
 </p:notes>
 </file>
 
+<file path=ppt/notesSlides/notesSlide2.xml><?xml version="1.0" encoding="utf-8"?>
+<p:notes xmlns:a="http://schemas.openxmlformats.org/drawingml/2006/main" xmlns:r="http://schemas.openxmlformats.org/officeDocument/2006/relationships" xmlns:p="http://schemas.openxmlformats.org/presentationml/2006/main">
+  <p:cSld>
+    <p:spTree>
+      <p:nvGrpSpPr>
+        <p:cNvPr id="1" name="">
+          <a:extLst>
+            <a:ext uri="{FF2B5EF4-FFF2-40B4-BE49-F238E27FC236}">
+              <a16:creationId xmlns:a16="http://schemas.microsoft.com/office/drawing/2014/main" id="{492D34DE-957C-F057-9BE4-4D83B46DCBAF}"/>
+            </a:ext>
+          </a:extLst>
+        </p:cNvPr>
+        <p:cNvGrpSpPr/>
+        <p:nvPr/>
+      </p:nvGrpSpPr>
+      <p:grpSpPr>
+        <a:xfrm>
+          <a:off x="0" y="0"/>
+          <a:ext cx="0" cy="0"/>
+          <a:chOff x="0" y="0"/>
+          <a:chExt cx="0" cy="0"/>
+        </a:xfrm>
+      </p:grpSpPr>
+      <p:sp>
+        <p:nvSpPr>
+          <p:cNvPr id="2" name="スライド イメージ プレースホルダー 1">
+            <a:extLst>
+              <a:ext uri="{FF2B5EF4-FFF2-40B4-BE49-F238E27FC236}">
+                <a16:creationId xmlns:a16="http://schemas.microsoft.com/office/drawing/2014/main" id="{C07E13E3-C7D1-206E-946B-6B121D5BA574}"/>
+              </a:ext>
+            </a:extLst>
+          </p:cNvPr>
+          <p:cNvSpPr>
+            <a:spLocks noGrp="1" noRot="1" noChangeAspect="1"/>
+          </p:cNvSpPr>
+          <p:nvPr>
+            <p:ph type="sldImg"/>
+          </p:nvPr>
+        </p:nvSpPr>
+        <p:spPr/>
+      </p:sp>
+      <p:sp>
+        <p:nvSpPr>
+          <p:cNvPr id="3" name="ノート プレースホルダー 2">
+            <a:extLst>
+              <a:ext uri="{FF2B5EF4-FFF2-40B4-BE49-F238E27FC236}">
+                <a16:creationId xmlns:a16="http://schemas.microsoft.com/office/drawing/2014/main" id="{5FBCB46C-9D60-34E7-FCEE-E2A5FD3D7A01}"/>
+              </a:ext>
+            </a:extLst>
+          </p:cNvPr>
+          <p:cNvSpPr>
+            <a:spLocks noGrp="1"/>
+          </p:cNvSpPr>
+          <p:nvPr>
+            <p:ph type="body" idx="1"/>
+          </p:nvPr>
+        </p:nvSpPr>
+        <p:spPr/>
+        <p:txBody>
+          <a:bodyPr/>
+          <a:lstStyle/>
+          <a:p>
+            <a:endParaRPr kumimoji="1" lang="ja-JP" altLang="en-US" dirty="0"/>
+          </a:p>
+        </p:txBody>
+      </p:sp>
+      <p:sp>
+        <p:nvSpPr>
+          <p:cNvPr id="4" name="スライド番号プレースホルダー 3">
+            <a:extLst>
+              <a:ext uri="{FF2B5EF4-FFF2-40B4-BE49-F238E27FC236}">
+                <a16:creationId xmlns:a16="http://schemas.microsoft.com/office/drawing/2014/main" id="{77D3ECD4-4EAA-71C5-FD5F-97201B3D3965}"/>
+              </a:ext>
+            </a:extLst>
+          </p:cNvPr>
+          <p:cNvSpPr>
+            <a:spLocks noGrp="1"/>
+          </p:cNvSpPr>
+          <p:nvPr>
+            <p:ph type="sldNum" sz="quarter" idx="5"/>
+          </p:nvPr>
+        </p:nvSpPr>
+        <p:spPr/>
+        <p:txBody>
+          <a:bodyPr/>
+          <a:lstStyle/>
+          <a:p>
+            <a:fld id="{34B4F49F-8A6F-4564-8051-C69902684E3C}" type="slidenum">
+              <a:rPr kumimoji="1" lang="ja-JP" altLang="en-US" smtClean="0"/>
+              <a:t>9</a:t>
+            </a:fld>
+            <a:endParaRPr kumimoji="1" lang="ja-JP" altLang="en-US"/>
+          </a:p>
+        </p:txBody>
+      </p:sp>
+    </p:spTree>
+    <p:extLst>
+      <p:ext uri="{BB962C8B-B14F-4D97-AF65-F5344CB8AC3E}">
+        <p14:creationId xmlns:p14="http://schemas.microsoft.com/office/powerpoint/2010/main" val="2408464022"/>
+      </p:ext>
+    </p:extLst>
+  </p:cSld>
+  <p:clrMapOvr>
+    <a:masterClrMapping/>
+  </p:clrMapOvr>
+</p:notes>
+</file>
+
 <file path=ppt/slideLayouts/slideLayout1.xml><?xml version="1.0" encoding="utf-8"?>
 <p:sldLayout xmlns:a="http://schemas.openxmlformats.org/drawingml/2006/main" xmlns:r="http://schemas.openxmlformats.org/officeDocument/2006/relationships" xmlns:p="http://schemas.openxmlformats.org/presentationml/2006/main" type="title" preserve="1">
   <p:cSld name="タイトル スライド">
@@ -938,7 +1164,7 @@
           <a:p>
             <a:fld id="{4F7F7339-FFCD-4915-8209-930F62B0A3DD}" type="datetimeFigureOut">
               <a:rPr kumimoji="1" lang="ja-JP" altLang="en-US" smtClean="0"/>
-              <a:t>2025/7/15</a:t>
+              <a:t>2025/7/16</a:t>
             </a:fld>
             <a:endParaRPr kumimoji="1" lang="ja-JP" altLang="en-US"/>
           </a:p>
@@ -1168,7 +1394,7 @@
           <a:p>
             <a:fld id="{4F7F7339-FFCD-4915-8209-930F62B0A3DD}" type="datetimeFigureOut">
               <a:rPr kumimoji="1" lang="ja-JP" altLang="en-US" smtClean="0"/>
-              <a:t>2025/7/15</a:t>
+              <a:t>2025/7/16</a:t>
             </a:fld>
             <a:endParaRPr kumimoji="1" lang="ja-JP" altLang="en-US"/>
           </a:p>
@@ -1408,7 +1634,7 @@
           <a:p>
             <a:fld id="{4F7F7339-FFCD-4915-8209-930F62B0A3DD}" type="datetimeFigureOut">
               <a:rPr kumimoji="1" lang="ja-JP" altLang="en-US" smtClean="0"/>
-              <a:t>2025/7/15</a:t>
+              <a:t>2025/7/16</a:t>
             </a:fld>
             <a:endParaRPr kumimoji="1" lang="ja-JP" altLang="en-US"/>
           </a:p>
@@ -1638,7 +1864,7 @@
           <a:p>
             <a:fld id="{4F7F7339-FFCD-4915-8209-930F62B0A3DD}" type="datetimeFigureOut">
               <a:rPr kumimoji="1" lang="ja-JP" altLang="en-US" smtClean="0"/>
-              <a:t>2025/7/15</a:t>
+              <a:t>2025/7/16</a:t>
             </a:fld>
             <a:endParaRPr kumimoji="1" lang="ja-JP" altLang="en-US"/>
           </a:p>
@@ -1913,7 +2139,7 @@
           <a:p>
             <a:fld id="{4F7F7339-FFCD-4915-8209-930F62B0A3DD}" type="datetimeFigureOut">
               <a:rPr kumimoji="1" lang="ja-JP" altLang="en-US" smtClean="0"/>
-              <a:t>2025/7/15</a:t>
+              <a:t>2025/7/16</a:t>
             </a:fld>
             <a:endParaRPr kumimoji="1" lang="ja-JP" altLang="en-US"/>
           </a:p>
@@ -2242,7 +2468,7 @@
           <a:p>
             <a:fld id="{4F7F7339-FFCD-4915-8209-930F62B0A3DD}" type="datetimeFigureOut">
               <a:rPr kumimoji="1" lang="ja-JP" altLang="en-US" smtClean="0"/>
-              <a:t>2025/7/15</a:t>
+              <a:t>2025/7/16</a:t>
             </a:fld>
             <a:endParaRPr kumimoji="1" lang="ja-JP" altLang="en-US"/>
           </a:p>
@@ -2718,7 +2944,7 @@
           <a:p>
             <a:fld id="{4F7F7339-FFCD-4915-8209-930F62B0A3DD}" type="datetimeFigureOut">
               <a:rPr kumimoji="1" lang="ja-JP" altLang="en-US" smtClean="0"/>
-              <a:t>2025/7/15</a:t>
+              <a:t>2025/7/16</a:t>
             </a:fld>
             <a:endParaRPr kumimoji="1" lang="ja-JP" altLang="en-US"/>
           </a:p>
@@ -2859,7 +3085,7 @@
           <a:p>
             <a:fld id="{4F7F7339-FFCD-4915-8209-930F62B0A3DD}" type="datetimeFigureOut">
               <a:rPr kumimoji="1" lang="ja-JP" altLang="en-US" smtClean="0"/>
-              <a:t>2025/7/15</a:t>
+              <a:t>2025/7/16</a:t>
             </a:fld>
             <a:endParaRPr kumimoji="1" lang="ja-JP" altLang="en-US"/>
           </a:p>
@@ -2972,7 +3198,7 @@
           <a:p>
             <a:fld id="{4F7F7339-FFCD-4915-8209-930F62B0A3DD}" type="datetimeFigureOut">
               <a:rPr kumimoji="1" lang="ja-JP" altLang="en-US" smtClean="0"/>
-              <a:t>2025/7/15</a:t>
+              <a:t>2025/7/16</a:t>
             </a:fld>
             <a:endParaRPr kumimoji="1" lang="ja-JP" altLang="en-US"/>
           </a:p>
@@ -3315,7 +3541,7 @@
           <a:p>
             <a:fld id="{4F7F7339-FFCD-4915-8209-930F62B0A3DD}" type="datetimeFigureOut">
               <a:rPr kumimoji="1" lang="ja-JP" altLang="en-US" smtClean="0"/>
-              <a:t>2025/7/15</a:t>
+              <a:t>2025/7/16</a:t>
             </a:fld>
             <a:endParaRPr kumimoji="1" lang="ja-JP" altLang="en-US"/>
           </a:p>
@@ -3603,7 +3829,7 @@
           <a:p>
             <a:fld id="{4F7F7339-FFCD-4915-8209-930F62B0A3DD}" type="datetimeFigureOut">
               <a:rPr kumimoji="1" lang="ja-JP" altLang="en-US" smtClean="0"/>
-              <a:t>2025/7/15</a:t>
+              <a:t>2025/7/16</a:t>
             </a:fld>
             <a:endParaRPr kumimoji="1" lang="ja-JP" altLang="en-US"/>
           </a:p>
@@ -3876,7 +4102,7 @@
           <a:p>
             <a:fld id="{4F7F7339-FFCD-4915-8209-930F62B0A3DD}" type="datetimeFigureOut">
               <a:rPr kumimoji="1" lang="ja-JP" altLang="en-US" smtClean="0"/>
-              <a:t>2025/7/15</a:t>
+              <a:t>2025/7/16</a:t>
             </a:fld>
             <a:endParaRPr kumimoji="1" lang="ja-JP" altLang="en-US"/>
           </a:p>
@@ -4477,7 +4703,7 @@
                   <a:srgbClr val="595959"/>
                 </a:solidFill>
               </a:rPr>
-              <a:t>まとめサイト</a:t>
+              <a:t>リンクまとめサイト</a:t>
             </a:r>
             <a:endParaRPr kumimoji="1" lang="ja-JP" altLang="en-US" sz="5400" b="1" dirty="0">
               <a:solidFill>
@@ -4515,11 +4741,14 @@
           </a:bodyPr>
           <a:lstStyle/>
           <a:p>
-            <a:endParaRPr kumimoji="1" lang="ja-JP" altLang="en-US" sz="1400">
-              <a:solidFill>
-                <a:srgbClr val="595959"/>
-              </a:solidFill>
-            </a:endParaRPr>
+            <a:r>
+              <a:rPr kumimoji="1" lang="ja-JP" altLang="en-US" sz="2000" dirty="0">
+                <a:solidFill>
+                  <a:srgbClr val="595959"/>
+                </a:solidFill>
+              </a:rPr>
+              <a:t>鈴木真斗</a:t>
+            </a:r>
           </a:p>
         </p:txBody>
       </p:sp>
@@ -4527,6 +4756,1157 @@
     <p:extLst>
       <p:ext uri="{BB962C8B-B14F-4D97-AF65-F5344CB8AC3E}">
         <p14:creationId xmlns:p14="http://schemas.microsoft.com/office/powerpoint/2010/main" val="2400395397"/>
+      </p:ext>
+    </p:extLst>
+  </p:cSld>
+  <p:clrMapOvr>
+    <a:masterClrMapping/>
+  </p:clrMapOvr>
+</p:sld>
+</file>
+
+<file path=ppt/slides/slide10.xml><?xml version="1.0" encoding="utf-8"?>
+<p:sld xmlns:a="http://schemas.openxmlformats.org/drawingml/2006/main" xmlns:r="http://schemas.openxmlformats.org/officeDocument/2006/relationships" xmlns:p="http://schemas.openxmlformats.org/presentationml/2006/main">
+  <p:cSld>
+    <p:bg>
+      <p:bgPr>
+        <a:solidFill>
+          <a:schemeClr val="bg1"/>
+        </a:solidFill>
+        <a:effectLst/>
+      </p:bgPr>
+    </p:bg>
+    <p:spTree>
+      <p:nvGrpSpPr>
+        <p:cNvPr id="1" name="">
+          <a:extLst>
+            <a:ext uri="{FF2B5EF4-FFF2-40B4-BE49-F238E27FC236}">
+              <a16:creationId xmlns:a16="http://schemas.microsoft.com/office/drawing/2014/main" id="{8BFB5C21-9694-77EB-5655-B10299536844}"/>
+            </a:ext>
+          </a:extLst>
+        </p:cNvPr>
+        <p:cNvGrpSpPr/>
+        <p:nvPr/>
+      </p:nvGrpSpPr>
+      <p:grpSpPr>
+        <a:xfrm>
+          <a:off x="0" y="0"/>
+          <a:ext cx="0" cy="0"/>
+          <a:chOff x="0" y="0"/>
+          <a:chExt cx="0" cy="0"/>
+        </a:xfrm>
+      </p:grpSpPr>
+      <p:sp useBgFill="1">
+        <p:nvSpPr>
+          <p:cNvPr id="8" name="Rectangle 7">
+            <a:extLst>
+              <a:ext uri="{FF2B5EF4-FFF2-40B4-BE49-F238E27FC236}">
+                <a16:creationId xmlns:a16="http://schemas.microsoft.com/office/drawing/2014/main" id="{BDEDD3DC-0B2A-0666-B826-27D315C8EC89}"/>
+              </a:ext>
+              <a:ext uri="{C183D7F6-B498-43B3-948B-1728B52AA6E4}">
+                <adec:decorative xmlns:adec="http://schemas.microsoft.com/office/drawing/2017/decorative" val="1"/>
+              </a:ext>
+            </a:extLst>
+          </p:cNvPr>
+          <p:cNvSpPr>
+            <a:spLocks noGrp="1" noRot="1" noChangeAspect="1" noMove="1" noResize="1" noEditPoints="1" noAdjustHandles="1" noChangeArrowheads="1" noChangeShapeType="1" noTextEdit="1"/>
+          </p:cNvSpPr>
+          <p:nvPr>
+            <p:extLst>
+              <p:ext uri="{386F3935-93C4-4BCD-93E2-E3B085C9AB24}">
+                <p16:designElem xmlns:p16="http://schemas.microsoft.com/office/powerpoint/2015/main" val="1"/>
+              </p:ext>
+            </p:extLst>
+          </p:nvPr>
+        </p:nvSpPr>
+        <p:spPr>
+          <a:xfrm>
+            <a:off x="0" y="0"/>
+            <a:ext cx="12192000" cy="6858000"/>
+          </a:xfrm>
+          <a:prstGeom prst="rect">
+            <a:avLst/>
+          </a:prstGeom>
+          <a:ln w="12700" cap="flat" cmpd="sng" algn="ctr">
+            <a:noFill/>
+            <a:prstDash val="solid"/>
+            <a:miter lim="800000"/>
+          </a:ln>
+          <a:effectLst/>
+          <a:extLst>
+            <a:ext uri="{91240B29-F687-4F45-9708-019B960494DF}">
+              <a14:hiddenLine xmlns:a14="http://schemas.microsoft.com/office/drawing/2010/main" w="12700" cap="flat" cmpd="sng" algn="ctr">
+                <a:solidFill>
+                  <a:schemeClr val="accent1">
+                    <a:shade val="50000"/>
+                  </a:schemeClr>
+                </a:solidFill>
+                <a:prstDash val="solid"/>
+                <a:miter lim="800000"/>
+              </a14:hiddenLine>
+            </a:ext>
+          </a:extLst>
+        </p:spPr>
+        <p:style>
+          <a:lnRef idx="2">
+            <a:schemeClr val="accent1">
+              <a:shade val="50000"/>
+            </a:schemeClr>
+          </a:lnRef>
+          <a:fillRef idx="1">
+            <a:schemeClr val="accent1"/>
+          </a:fillRef>
+          <a:effectRef idx="0">
+            <a:schemeClr val="accent1"/>
+          </a:effectRef>
+          <a:fontRef idx="minor">
+            <a:schemeClr val="lt1"/>
+          </a:fontRef>
+        </p:style>
+        <p:txBody>
+          <a:bodyPr rtlCol="0" anchor="ctr"/>
+          <a:lstStyle/>
+          <a:p>
+            <a:pPr algn="ctr"/>
+            <a:endParaRPr lang="en-US"/>
+          </a:p>
+        </p:txBody>
+      </p:sp>
+      <p:sp>
+        <p:nvSpPr>
+          <p:cNvPr id="10" name="Rectangle 9">
+            <a:extLst>
+              <a:ext uri="{FF2B5EF4-FFF2-40B4-BE49-F238E27FC236}">
+                <a16:creationId xmlns:a16="http://schemas.microsoft.com/office/drawing/2014/main" id="{B62EC43E-D570-6DF6-3515-4FA17680BFB0}"/>
+              </a:ext>
+              <a:ext uri="{C183D7F6-B498-43B3-948B-1728B52AA6E4}">
+                <adec:decorative xmlns:adec="http://schemas.microsoft.com/office/drawing/2017/decorative" val="1"/>
+              </a:ext>
+            </a:extLst>
+          </p:cNvPr>
+          <p:cNvSpPr>
+            <a:spLocks noGrp="1" noRot="1" noChangeAspect="1" noMove="1" noResize="1" noEditPoints="1" noAdjustHandles="1" noChangeArrowheads="1" noChangeShapeType="1" noTextEdit="1"/>
+          </p:cNvSpPr>
+          <p:nvPr>
+            <p:extLst>
+              <p:ext uri="{386F3935-93C4-4BCD-93E2-E3B085C9AB24}">
+                <p16:designElem xmlns:p16="http://schemas.microsoft.com/office/powerpoint/2015/main" val="1"/>
+              </p:ext>
+            </p:extLst>
+          </p:nvPr>
+        </p:nvSpPr>
+        <p:spPr>
+          <a:xfrm>
+            <a:off x="0" y="0"/>
+            <a:ext cx="12192000" cy="6858000"/>
+          </a:xfrm>
+          <a:prstGeom prst="rect">
+            <a:avLst/>
+          </a:prstGeom>
+          <a:solidFill>
+            <a:schemeClr val="accent2">
+              <a:lumMod val="20000"/>
+              <a:lumOff val="80000"/>
+            </a:schemeClr>
+          </a:solidFill>
+          <a:ln>
+            <a:noFill/>
+          </a:ln>
+        </p:spPr>
+        <p:style>
+          <a:lnRef idx="2">
+            <a:schemeClr val="accent1">
+              <a:shade val="50000"/>
+            </a:schemeClr>
+          </a:lnRef>
+          <a:fillRef idx="1">
+            <a:schemeClr val="accent1"/>
+          </a:fillRef>
+          <a:effectRef idx="0">
+            <a:schemeClr val="accent1"/>
+          </a:effectRef>
+          <a:fontRef idx="minor">
+            <a:schemeClr val="lt1"/>
+          </a:fontRef>
+        </p:style>
+        <p:txBody>
+          <a:bodyPr rtlCol="0" anchor="ctr"/>
+          <a:lstStyle/>
+          <a:p>
+            <a:pPr algn="ctr"/>
+            <a:endParaRPr lang="en-US"/>
+          </a:p>
+        </p:txBody>
+      </p:sp>
+      <p:sp>
+        <p:nvSpPr>
+          <p:cNvPr id="12" name="Rectangle 11">
+            <a:extLst>
+              <a:ext uri="{FF2B5EF4-FFF2-40B4-BE49-F238E27FC236}">
+                <a16:creationId xmlns:a16="http://schemas.microsoft.com/office/drawing/2014/main" id="{BBEC2217-1CA7-21BD-6410-F3F593959608}"/>
+              </a:ext>
+              <a:ext uri="{C183D7F6-B498-43B3-948B-1728B52AA6E4}">
+                <adec:decorative xmlns:adec="http://schemas.microsoft.com/office/drawing/2017/decorative" val="1"/>
+              </a:ext>
+            </a:extLst>
+          </p:cNvPr>
+          <p:cNvSpPr>
+            <a:spLocks noGrp="1" noRot="1" noChangeAspect="1" noMove="1" noResize="1" noEditPoints="1" noAdjustHandles="1" noChangeArrowheads="1" noChangeShapeType="1" noTextEdit="1"/>
+          </p:cNvSpPr>
+          <p:nvPr>
+            <p:extLst>
+              <p:ext uri="{386F3935-93C4-4BCD-93E2-E3B085C9AB24}">
+                <p16:designElem xmlns:p16="http://schemas.microsoft.com/office/powerpoint/2015/main" val="1"/>
+              </p:ext>
+            </p:extLst>
+          </p:nvPr>
+        </p:nvSpPr>
+        <p:spPr>
+          <a:xfrm>
+            <a:off x="685800" y="685800"/>
+            <a:ext cx="10820400" cy="5486400"/>
+          </a:xfrm>
+          <a:prstGeom prst="rect">
+            <a:avLst/>
+          </a:prstGeom>
+          <a:solidFill>
+            <a:schemeClr val="bg1"/>
+          </a:solidFill>
+          <a:ln>
+            <a:noFill/>
+          </a:ln>
+        </p:spPr>
+        <p:style>
+          <a:lnRef idx="2">
+            <a:schemeClr val="accent1">
+              <a:shade val="50000"/>
+            </a:schemeClr>
+          </a:lnRef>
+          <a:fillRef idx="1">
+            <a:schemeClr val="accent1"/>
+          </a:fillRef>
+          <a:effectRef idx="0">
+            <a:schemeClr val="accent1"/>
+          </a:effectRef>
+          <a:fontRef idx="minor">
+            <a:schemeClr val="lt1"/>
+          </a:fontRef>
+        </p:style>
+        <p:txBody>
+          <a:bodyPr rtlCol="0" anchor="ctr"/>
+          <a:lstStyle/>
+          <a:p>
+            <a:pPr algn="ctr"/>
+            <a:endParaRPr lang="en-US"/>
+          </a:p>
+        </p:txBody>
+      </p:sp>
+      <mc:AlternateContent xmlns:mc="http://schemas.openxmlformats.org/markup-compatibility/2006">
+        <mc:Choice xmlns:p14="http://schemas.microsoft.com/office/powerpoint/2010/main" Requires="p14">
+          <p:contentPart p14:bwMode="auto" r:id="rId2">
+            <p14:nvContentPartPr>
+              <p14:cNvPr id="26" name="インク 25">
+                <a:extLst>
+                  <a:ext uri="{FF2B5EF4-FFF2-40B4-BE49-F238E27FC236}">
+                    <a16:creationId xmlns:a16="http://schemas.microsoft.com/office/drawing/2014/main" id="{7E1118FA-CE26-1B71-127A-D0B01ED8D253}"/>
+                  </a:ext>
+                </a:extLst>
+              </p14:cNvPr>
+              <p14:cNvContentPartPr/>
+              <p14:nvPr/>
+            </p14:nvContentPartPr>
+            <p14:xfrm>
+              <a:off x="2457202" y="6360366"/>
+              <a:ext cx="7277594" cy="129422"/>
+            </p14:xfrm>
+          </p:contentPart>
+        </mc:Choice>
+        <mc:Fallback>
+          <p:pic>
+            <p:nvPicPr>
+              <p:cNvPr id="26" name="インク 25">
+                <a:extLst>
+                  <a:ext uri="{FF2B5EF4-FFF2-40B4-BE49-F238E27FC236}">
+                    <a16:creationId xmlns:a16="http://schemas.microsoft.com/office/drawing/2014/main" id="{7E1118FA-CE26-1B71-127A-D0B01ED8D253}"/>
+                  </a:ext>
+                </a:extLst>
+              </p:cNvPr>
+              <p:cNvPicPr/>
+              <p:nvPr/>
+            </p:nvPicPr>
+            <p:blipFill>
+              <a:blip r:embed="rId3"/>
+              <a:stretch>
+                <a:fillRect/>
+              </a:stretch>
+            </p:blipFill>
+            <p:spPr>
+              <a:xfrm>
+                <a:off x="2403203" y="6252514"/>
+                <a:ext cx="7385232" cy="344766"/>
+              </a:xfrm>
+              <a:prstGeom prst="rect">
+                <a:avLst/>
+              </a:prstGeom>
+            </p:spPr>
+          </p:pic>
+        </mc:Fallback>
+      </mc:AlternateContent>
+      <p:sp>
+        <p:nvSpPr>
+          <p:cNvPr id="2" name="タイトル 1">
+            <a:extLst>
+              <a:ext uri="{FF2B5EF4-FFF2-40B4-BE49-F238E27FC236}">
+                <a16:creationId xmlns:a16="http://schemas.microsoft.com/office/drawing/2014/main" id="{70015EBC-3EEB-80C2-315E-548CBF9AD895}"/>
+              </a:ext>
+            </a:extLst>
+          </p:cNvPr>
+          <p:cNvSpPr txBox="1">
+            <a:spLocks/>
+          </p:cNvSpPr>
+          <p:nvPr/>
+        </p:nvSpPr>
+        <p:spPr>
+          <a:xfrm>
+            <a:off x="838199" y="596415"/>
+            <a:ext cx="10515600" cy="1325563"/>
+          </a:xfrm>
+          <a:prstGeom prst="rect">
+            <a:avLst/>
+          </a:prstGeom>
+        </p:spPr>
+        <p:txBody>
+          <a:bodyPr vert="horz" lIns="91440" tIns="45720" rIns="91440" bIns="45720" rtlCol="0" anchor="b">
+            <a:normAutofit/>
+          </a:bodyPr>
+          <a:lstStyle>
+            <a:lvl1pPr algn="ctr" defTabSz="914400" rtl="0" eaLnBrk="1" latinLnBrk="0" hangingPunct="1">
+              <a:lnSpc>
+                <a:spcPct val="90000"/>
+              </a:lnSpc>
+              <a:spcBef>
+                <a:spcPct val="0"/>
+              </a:spcBef>
+              <a:buNone/>
+              <a:defRPr kumimoji="1" sz="6000" kern="1200">
+                <a:solidFill>
+                  <a:schemeClr val="tx1"/>
+                </a:solidFill>
+                <a:latin typeface="+mj-lt"/>
+                <a:ea typeface="+mj-ea"/>
+                <a:cs typeface="+mj-cs"/>
+              </a:defRPr>
+            </a:lvl1pPr>
+          </a:lstStyle>
+          <a:p>
+            <a:pPr algn="l"/>
+            <a:r>
+              <a:rPr lang="ja-JP" altLang="en-US" b="1" dirty="0"/>
+              <a:t>開発環境</a:t>
+            </a:r>
+          </a:p>
+        </p:txBody>
+      </p:sp>
+      <p:sp>
+        <p:nvSpPr>
+          <p:cNvPr id="4" name="コンテンツ プレースホルダー 2">
+            <a:extLst>
+              <a:ext uri="{FF2B5EF4-FFF2-40B4-BE49-F238E27FC236}">
+                <a16:creationId xmlns:a16="http://schemas.microsoft.com/office/drawing/2014/main" id="{6419C5BE-4AE4-443D-2ED7-8C4ADC7B8D27}"/>
+              </a:ext>
+            </a:extLst>
+          </p:cNvPr>
+          <p:cNvSpPr txBox="1">
+            <a:spLocks/>
+          </p:cNvSpPr>
+          <p:nvPr/>
+        </p:nvSpPr>
+        <p:spPr>
+          <a:xfrm>
+            <a:off x="1598964" y="3165756"/>
+            <a:ext cx="8994069" cy="1417129"/>
+          </a:xfrm>
+          <a:prstGeom prst="rect">
+            <a:avLst/>
+          </a:prstGeom>
+        </p:spPr>
+        <p:txBody>
+          <a:bodyPr vert="horz" lIns="91440" tIns="45720" rIns="91440" bIns="45720" rtlCol="0">
+            <a:normAutofit/>
+          </a:bodyPr>
+          <a:lstStyle>
+            <a:lvl1pPr marL="0" indent="0" algn="ctr" defTabSz="914400" rtl="0" eaLnBrk="1" latinLnBrk="0" hangingPunct="1">
+              <a:lnSpc>
+                <a:spcPct val="90000"/>
+              </a:lnSpc>
+              <a:spcBef>
+                <a:spcPts val="1000"/>
+              </a:spcBef>
+              <a:buFont typeface="Arial" panose="020B0604020202020204" pitchFamily="34" charset="0"/>
+              <a:buNone/>
+              <a:defRPr kumimoji="1" sz="2400" kern="1200">
+                <a:solidFill>
+                  <a:schemeClr val="tx1"/>
+                </a:solidFill>
+                <a:latin typeface="+mn-lt"/>
+                <a:ea typeface="+mn-ea"/>
+                <a:cs typeface="+mn-cs"/>
+              </a:defRPr>
+            </a:lvl1pPr>
+            <a:lvl2pPr marL="457200" indent="0" algn="ctr" defTabSz="914400" rtl="0" eaLnBrk="1" latinLnBrk="0" hangingPunct="1">
+              <a:lnSpc>
+                <a:spcPct val="90000"/>
+              </a:lnSpc>
+              <a:spcBef>
+                <a:spcPts val="500"/>
+              </a:spcBef>
+              <a:buFont typeface="Arial" panose="020B0604020202020204" pitchFamily="34" charset="0"/>
+              <a:buNone/>
+              <a:defRPr kumimoji="1" sz="2000" kern="1200">
+                <a:solidFill>
+                  <a:schemeClr val="tx1"/>
+                </a:solidFill>
+                <a:latin typeface="+mn-lt"/>
+                <a:ea typeface="+mn-ea"/>
+                <a:cs typeface="+mn-cs"/>
+              </a:defRPr>
+            </a:lvl2pPr>
+            <a:lvl3pPr marL="914400" indent="0" algn="ctr" defTabSz="914400" rtl="0" eaLnBrk="1" latinLnBrk="0" hangingPunct="1">
+              <a:lnSpc>
+                <a:spcPct val="90000"/>
+              </a:lnSpc>
+              <a:spcBef>
+                <a:spcPts val="500"/>
+              </a:spcBef>
+              <a:buFont typeface="Arial" panose="020B0604020202020204" pitchFamily="34" charset="0"/>
+              <a:buNone/>
+              <a:defRPr kumimoji="1" sz="1800" kern="1200">
+                <a:solidFill>
+                  <a:schemeClr val="tx1"/>
+                </a:solidFill>
+                <a:latin typeface="+mn-lt"/>
+                <a:ea typeface="+mn-ea"/>
+                <a:cs typeface="+mn-cs"/>
+              </a:defRPr>
+            </a:lvl3pPr>
+            <a:lvl4pPr marL="1371600" indent="0" algn="ctr" defTabSz="914400" rtl="0" eaLnBrk="1" latinLnBrk="0" hangingPunct="1">
+              <a:lnSpc>
+                <a:spcPct val="90000"/>
+              </a:lnSpc>
+              <a:spcBef>
+                <a:spcPts val="500"/>
+              </a:spcBef>
+              <a:buFont typeface="Arial" panose="020B0604020202020204" pitchFamily="34" charset="0"/>
+              <a:buNone/>
+              <a:defRPr kumimoji="1" sz="1600" kern="1200">
+                <a:solidFill>
+                  <a:schemeClr val="tx1"/>
+                </a:solidFill>
+                <a:latin typeface="+mn-lt"/>
+                <a:ea typeface="+mn-ea"/>
+                <a:cs typeface="+mn-cs"/>
+              </a:defRPr>
+            </a:lvl4pPr>
+            <a:lvl5pPr marL="1828800" indent="0" algn="ctr" defTabSz="914400" rtl="0" eaLnBrk="1" latinLnBrk="0" hangingPunct="1">
+              <a:lnSpc>
+                <a:spcPct val="90000"/>
+              </a:lnSpc>
+              <a:spcBef>
+                <a:spcPts val="500"/>
+              </a:spcBef>
+              <a:buFont typeface="Arial" panose="020B0604020202020204" pitchFamily="34" charset="0"/>
+              <a:buNone/>
+              <a:defRPr kumimoji="1" sz="1600" kern="1200">
+                <a:solidFill>
+                  <a:schemeClr val="tx1"/>
+                </a:solidFill>
+                <a:latin typeface="+mn-lt"/>
+                <a:ea typeface="+mn-ea"/>
+                <a:cs typeface="+mn-cs"/>
+              </a:defRPr>
+            </a:lvl5pPr>
+            <a:lvl6pPr marL="2286000" indent="0" algn="ctr" defTabSz="914400" rtl="0" eaLnBrk="1" latinLnBrk="0" hangingPunct="1">
+              <a:lnSpc>
+                <a:spcPct val="90000"/>
+              </a:lnSpc>
+              <a:spcBef>
+                <a:spcPts val="500"/>
+              </a:spcBef>
+              <a:buFont typeface="Arial" panose="020B0604020202020204" pitchFamily="34" charset="0"/>
+              <a:buNone/>
+              <a:defRPr kumimoji="1" sz="1600" kern="1200">
+                <a:solidFill>
+                  <a:schemeClr val="tx1"/>
+                </a:solidFill>
+                <a:latin typeface="+mn-lt"/>
+                <a:ea typeface="+mn-ea"/>
+                <a:cs typeface="+mn-cs"/>
+              </a:defRPr>
+            </a:lvl6pPr>
+            <a:lvl7pPr marL="2743200" indent="0" algn="ctr" defTabSz="914400" rtl="0" eaLnBrk="1" latinLnBrk="0" hangingPunct="1">
+              <a:lnSpc>
+                <a:spcPct val="90000"/>
+              </a:lnSpc>
+              <a:spcBef>
+                <a:spcPts val="500"/>
+              </a:spcBef>
+              <a:buFont typeface="Arial" panose="020B0604020202020204" pitchFamily="34" charset="0"/>
+              <a:buNone/>
+              <a:defRPr kumimoji="1" sz="1600" kern="1200">
+                <a:solidFill>
+                  <a:schemeClr val="tx1"/>
+                </a:solidFill>
+                <a:latin typeface="+mn-lt"/>
+                <a:ea typeface="+mn-ea"/>
+                <a:cs typeface="+mn-cs"/>
+              </a:defRPr>
+            </a:lvl7pPr>
+            <a:lvl8pPr marL="3200400" indent="0" algn="ctr" defTabSz="914400" rtl="0" eaLnBrk="1" latinLnBrk="0" hangingPunct="1">
+              <a:lnSpc>
+                <a:spcPct val="90000"/>
+              </a:lnSpc>
+              <a:spcBef>
+                <a:spcPts val="500"/>
+              </a:spcBef>
+              <a:buFont typeface="Arial" panose="020B0604020202020204" pitchFamily="34" charset="0"/>
+              <a:buNone/>
+              <a:defRPr kumimoji="1" sz="1600" kern="1200">
+                <a:solidFill>
+                  <a:schemeClr val="tx1"/>
+                </a:solidFill>
+                <a:latin typeface="+mn-lt"/>
+                <a:ea typeface="+mn-ea"/>
+                <a:cs typeface="+mn-cs"/>
+              </a:defRPr>
+            </a:lvl8pPr>
+            <a:lvl9pPr marL="3657600" indent="0" algn="ctr" defTabSz="914400" rtl="0" eaLnBrk="1" latinLnBrk="0" hangingPunct="1">
+              <a:lnSpc>
+                <a:spcPct val="90000"/>
+              </a:lnSpc>
+              <a:spcBef>
+                <a:spcPts val="500"/>
+              </a:spcBef>
+              <a:buFont typeface="Arial" panose="020B0604020202020204" pitchFamily="34" charset="0"/>
+              <a:buNone/>
+              <a:defRPr kumimoji="1" sz="1600" kern="1200">
+                <a:solidFill>
+                  <a:schemeClr val="tx1"/>
+                </a:solidFill>
+                <a:latin typeface="+mn-lt"/>
+                <a:ea typeface="+mn-ea"/>
+                <a:cs typeface="+mn-cs"/>
+              </a:defRPr>
+            </a:lvl9pPr>
+          </a:lstStyle>
+          <a:p>
+            <a:r>
+              <a:rPr lang="en-US" altLang="ja-JP" sz="3700" dirty="0"/>
+              <a:t>Flutter</a:t>
+            </a:r>
+            <a:r>
+              <a:rPr lang="ja-JP" altLang="en-US" sz="3700" dirty="0"/>
+              <a:t>、</a:t>
+            </a:r>
+            <a:r>
+              <a:rPr lang="en-US" altLang="ja-JP" sz="3700" dirty="0"/>
+              <a:t>SQLite</a:t>
+            </a:r>
+            <a:endParaRPr lang="ja-JP" altLang="en-US" sz="3700" dirty="0"/>
+          </a:p>
+        </p:txBody>
+      </p:sp>
+    </p:spTree>
+    <p:extLst>
+      <p:ext uri="{BB962C8B-B14F-4D97-AF65-F5344CB8AC3E}">
+        <p14:creationId xmlns:p14="http://schemas.microsoft.com/office/powerpoint/2010/main" val="686297006"/>
+      </p:ext>
+    </p:extLst>
+  </p:cSld>
+  <p:clrMapOvr>
+    <a:masterClrMapping/>
+  </p:clrMapOvr>
+</p:sld>
+</file>
+
+<file path=ppt/slides/slide11.xml><?xml version="1.0" encoding="utf-8"?>
+<p:sld xmlns:a="http://schemas.openxmlformats.org/drawingml/2006/main" xmlns:r="http://schemas.openxmlformats.org/officeDocument/2006/relationships" xmlns:p="http://schemas.openxmlformats.org/presentationml/2006/main">
+  <p:cSld>
+    <p:bg>
+      <p:bgPr>
+        <a:solidFill>
+          <a:schemeClr val="bg1"/>
+        </a:solidFill>
+        <a:effectLst/>
+      </p:bgPr>
+    </p:bg>
+    <p:spTree>
+      <p:nvGrpSpPr>
+        <p:cNvPr id="1" name="">
+          <a:extLst>
+            <a:ext uri="{FF2B5EF4-FFF2-40B4-BE49-F238E27FC236}">
+              <a16:creationId xmlns:a16="http://schemas.microsoft.com/office/drawing/2014/main" id="{C948082C-DE10-1E9B-EAFE-FD5A065FC946}"/>
+            </a:ext>
+          </a:extLst>
+        </p:cNvPr>
+        <p:cNvGrpSpPr/>
+        <p:nvPr/>
+      </p:nvGrpSpPr>
+      <p:grpSpPr>
+        <a:xfrm>
+          <a:off x="0" y="0"/>
+          <a:ext cx="0" cy="0"/>
+          <a:chOff x="0" y="0"/>
+          <a:chExt cx="0" cy="0"/>
+        </a:xfrm>
+      </p:grpSpPr>
+      <p:sp useBgFill="1">
+        <p:nvSpPr>
+          <p:cNvPr id="8" name="Rectangle 7">
+            <a:extLst>
+              <a:ext uri="{FF2B5EF4-FFF2-40B4-BE49-F238E27FC236}">
+                <a16:creationId xmlns:a16="http://schemas.microsoft.com/office/drawing/2014/main" id="{2E248BF4-0E10-4613-1EB7-816A37AAFE25}"/>
+              </a:ext>
+              <a:ext uri="{C183D7F6-B498-43B3-948B-1728B52AA6E4}">
+                <adec:decorative xmlns:adec="http://schemas.microsoft.com/office/drawing/2017/decorative" val="1"/>
+              </a:ext>
+            </a:extLst>
+          </p:cNvPr>
+          <p:cNvSpPr>
+            <a:spLocks noGrp="1" noRot="1" noChangeAspect="1" noMove="1" noResize="1" noEditPoints="1" noAdjustHandles="1" noChangeArrowheads="1" noChangeShapeType="1" noTextEdit="1"/>
+          </p:cNvSpPr>
+          <p:nvPr>
+            <p:extLst>
+              <p:ext uri="{386F3935-93C4-4BCD-93E2-E3B085C9AB24}">
+                <p16:designElem xmlns:p16="http://schemas.microsoft.com/office/powerpoint/2015/main" val="1"/>
+              </p:ext>
+            </p:extLst>
+          </p:nvPr>
+        </p:nvSpPr>
+        <p:spPr>
+          <a:xfrm>
+            <a:off x="0" y="0"/>
+            <a:ext cx="12192000" cy="6858000"/>
+          </a:xfrm>
+          <a:prstGeom prst="rect">
+            <a:avLst/>
+          </a:prstGeom>
+          <a:ln w="12700" cap="flat" cmpd="sng" algn="ctr">
+            <a:noFill/>
+            <a:prstDash val="solid"/>
+            <a:miter lim="800000"/>
+          </a:ln>
+          <a:effectLst/>
+          <a:extLst>
+            <a:ext uri="{91240B29-F687-4F45-9708-019B960494DF}">
+              <a14:hiddenLine xmlns:a14="http://schemas.microsoft.com/office/drawing/2010/main" w="12700" cap="flat" cmpd="sng" algn="ctr">
+                <a:solidFill>
+                  <a:schemeClr val="accent1">
+                    <a:shade val="50000"/>
+                  </a:schemeClr>
+                </a:solidFill>
+                <a:prstDash val="solid"/>
+                <a:miter lim="800000"/>
+              </a14:hiddenLine>
+            </a:ext>
+          </a:extLst>
+        </p:spPr>
+        <p:style>
+          <a:lnRef idx="2">
+            <a:schemeClr val="accent1">
+              <a:shade val="50000"/>
+            </a:schemeClr>
+          </a:lnRef>
+          <a:fillRef idx="1">
+            <a:schemeClr val="accent1"/>
+          </a:fillRef>
+          <a:effectRef idx="0">
+            <a:schemeClr val="accent1"/>
+          </a:effectRef>
+          <a:fontRef idx="minor">
+            <a:schemeClr val="lt1"/>
+          </a:fontRef>
+        </p:style>
+        <p:txBody>
+          <a:bodyPr rtlCol="0" anchor="ctr"/>
+          <a:lstStyle/>
+          <a:p>
+            <a:pPr algn="ctr"/>
+            <a:endParaRPr lang="en-US"/>
+          </a:p>
+        </p:txBody>
+      </p:sp>
+      <p:sp>
+        <p:nvSpPr>
+          <p:cNvPr id="10" name="Rectangle 9">
+            <a:extLst>
+              <a:ext uri="{FF2B5EF4-FFF2-40B4-BE49-F238E27FC236}">
+                <a16:creationId xmlns:a16="http://schemas.microsoft.com/office/drawing/2014/main" id="{51D7EA7C-6D77-9085-0947-B6905C4B3C21}"/>
+              </a:ext>
+              <a:ext uri="{C183D7F6-B498-43B3-948B-1728B52AA6E4}">
+                <adec:decorative xmlns:adec="http://schemas.microsoft.com/office/drawing/2017/decorative" val="1"/>
+              </a:ext>
+            </a:extLst>
+          </p:cNvPr>
+          <p:cNvSpPr>
+            <a:spLocks noGrp="1" noRot="1" noChangeAspect="1" noMove="1" noResize="1" noEditPoints="1" noAdjustHandles="1" noChangeArrowheads="1" noChangeShapeType="1" noTextEdit="1"/>
+          </p:cNvSpPr>
+          <p:nvPr>
+            <p:extLst>
+              <p:ext uri="{386F3935-93C4-4BCD-93E2-E3B085C9AB24}">
+                <p16:designElem xmlns:p16="http://schemas.microsoft.com/office/powerpoint/2015/main" val="1"/>
+              </p:ext>
+            </p:extLst>
+          </p:nvPr>
+        </p:nvSpPr>
+        <p:spPr>
+          <a:xfrm>
+            <a:off x="0" y="0"/>
+            <a:ext cx="12192000" cy="6858000"/>
+          </a:xfrm>
+          <a:prstGeom prst="rect">
+            <a:avLst/>
+          </a:prstGeom>
+          <a:solidFill>
+            <a:schemeClr val="accent2">
+              <a:lumMod val="20000"/>
+              <a:lumOff val="80000"/>
+            </a:schemeClr>
+          </a:solidFill>
+          <a:ln>
+            <a:noFill/>
+          </a:ln>
+        </p:spPr>
+        <p:style>
+          <a:lnRef idx="2">
+            <a:schemeClr val="accent1">
+              <a:shade val="50000"/>
+            </a:schemeClr>
+          </a:lnRef>
+          <a:fillRef idx="1">
+            <a:schemeClr val="accent1"/>
+          </a:fillRef>
+          <a:effectRef idx="0">
+            <a:schemeClr val="accent1"/>
+          </a:effectRef>
+          <a:fontRef idx="minor">
+            <a:schemeClr val="lt1"/>
+          </a:fontRef>
+        </p:style>
+        <p:txBody>
+          <a:bodyPr rtlCol="0" anchor="ctr"/>
+          <a:lstStyle/>
+          <a:p>
+            <a:pPr algn="ctr"/>
+            <a:endParaRPr lang="en-US"/>
+          </a:p>
+        </p:txBody>
+      </p:sp>
+      <p:sp>
+        <p:nvSpPr>
+          <p:cNvPr id="12" name="Rectangle 11">
+            <a:extLst>
+              <a:ext uri="{FF2B5EF4-FFF2-40B4-BE49-F238E27FC236}">
+                <a16:creationId xmlns:a16="http://schemas.microsoft.com/office/drawing/2014/main" id="{184D3AF1-3538-2481-2DC1-FE3D3E52CC55}"/>
+              </a:ext>
+              <a:ext uri="{C183D7F6-B498-43B3-948B-1728B52AA6E4}">
+                <adec:decorative xmlns:adec="http://schemas.microsoft.com/office/drawing/2017/decorative" val="1"/>
+              </a:ext>
+            </a:extLst>
+          </p:cNvPr>
+          <p:cNvSpPr>
+            <a:spLocks noGrp="1" noRot="1" noChangeAspect="1" noMove="1" noResize="1" noEditPoints="1" noAdjustHandles="1" noChangeArrowheads="1" noChangeShapeType="1" noTextEdit="1"/>
+          </p:cNvSpPr>
+          <p:nvPr>
+            <p:extLst>
+              <p:ext uri="{386F3935-93C4-4BCD-93E2-E3B085C9AB24}">
+                <p16:designElem xmlns:p16="http://schemas.microsoft.com/office/powerpoint/2015/main" val="1"/>
+              </p:ext>
+            </p:extLst>
+          </p:nvPr>
+        </p:nvSpPr>
+        <p:spPr>
+          <a:xfrm>
+            <a:off x="685800" y="685800"/>
+            <a:ext cx="10820400" cy="5486400"/>
+          </a:xfrm>
+          <a:prstGeom prst="rect">
+            <a:avLst/>
+          </a:prstGeom>
+          <a:solidFill>
+            <a:schemeClr val="bg1"/>
+          </a:solidFill>
+          <a:ln>
+            <a:noFill/>
+          </a:ln>
+        </p:spPr>
+        <p:style>
+          <a:lnRef idx="2">
+            <a:schemeClr val="accent1">
+              <a:shade val="50000"/>
+            </a:schemeClr>
+          </a:lnRef>
+          <a:fillRef idx="1">
+            <a:schemeClr val="accent1"/>
+          </a:fillRef>
+          <a:effectRef idx="0">
+            <a:schemeClr val="accent1"/>
+          </a:effectRef>
+          <a:fontRef idx="minor">
+            <a:schemeClr val="lt1"/>
+          </a:fontRef>
+        </p:style>
+        <p:txBody>
+          <a:bodyPr rtlCol="0" anchor="ctr"/>
+          <a:lstStyle/>
+          <a:p>
+            <a:pPr algn="ctr"/>
+            <a:endParaRPr lang="en-US"/>
+          </a:p>
+        </p:txBody>
+      </p:sp>
+      <mc:AlternateContent xmlns:mc="http://schemas.openxmlformats.org/markup-compatibility/2006">
+        <mc:Choice xmlns:p14="http://schemas.microsoft.com/office/powerpoint/2010/main" Requires="p14">
+          <p:contentPart p14:bwMode="auto" r:id="rId2">
+            <p14:nvContentPartPr>
+              <p14:cNvPr id="26" name="インク 25">
+                <a:extLst>
+                  <a:ext uri="{FF2B5EF4-FFF2-40B4-BE49-F238E27FC236}">
+                    <a16:creationId xmlns:a16="http://schemas.microsoft.com/office/drawing/2014/main" id="{FA55CD49-E864-490F-DFFF-16977F5CFBE5}"/>
+                  </a:ext>
+                </a:extLst>
+              </p14:cNvPr>
+              <p14:cNvContentPartPr/>
+              <p14:nvPr/>
+            </p14:nvContentPartPr>
+            <p14:xfrm>
+              <a:off x="2457202" y="6360366"/>
+              <a:ext cx="7277594" cy="129422"/>
+            </p14:xfrm>
+          </p:contentPart>
+        </mc:Choice>
+        <mc:Fallback>
+          <p:pic>
+            <p:nvPicPr>
+              <p:cNvPr id="26" name="インク 25">
+                <a:extLst>
+                  <a:ext uri="{FF2B5EF4-FFF2-40B4-BE49-F238E27FC236}">
+                    <a16:creationId xmlns:a16="http://schemas.microsoft.com/office/drawing/2014/main" id="{FA55CD49-E864-490F-DFFF-16977F5CFBE5}"/>
+                  </a:ext>
+                </a:extLst>
+              </p:cNvPr>
+              <p:cNvPicPr/>
+              <p:nvPr/>
+            </p:nvPicPr>
+            <p:blipFill>
+              <a:blip r:embed="rId3"/>
+              <a:stretch>
+                <a:fillRect/>
+              </a:stretch>
+            </p:blipFill>
+            <p:spPr>
+              <a:xfrm>
+                <a:off x="2403203" y="6252514"/>
+                <a:ext cx="7385232" cy="344766"/>
+              </a:xfrm>
+              <a:prstGeom prst="rect">
+                <a:avLst/>
+              </a:prstGeom>
+            </p:spPr>
+          </p:pic>
+        </mc:Fallback>
+      </mc:AlternateContent>
+      <p:sp>
+        <p:nvSpPr>
+          <p:cNvPr id="2" name="タイトル 1">
+            <a:extLst>
+              <a:ext uri="{FF2B5EF4-FFF2-40B4-BE49-F238E27FC236}">
+                <a16:creationId xmlns:a16="http://schemas.microsoft.com/office/drawing/2014/main" id="{13BA318A-B261-E3D7-32F1-E1B0A114284C}"/>
+              </a:ext>
+            </a:extLst>
+          </p:cNvPr>
+          <p:cNvSpPr txBox="1">
+            <a:spLocks/>
+          </p:cNvSpPr>
+          <p:nvPr/>
+        </p:nvSpPr>
+        <p:spPr>
+          <a:xfrm>
+            <a:off x="838199" y="596415"/>
+            <a:ext cx="10515600" cy="1325563"/>
+          </a:xfrm>
+          <a:prstGeom prst="rect">
+            <a:avLst/>
+          </a:prstGeom>
+        </p:spPr>
+        <p:txBody>
+          <a:bodyPr vert="horz" lIns="91440" tIns="45720" rIns="91440" bIns="45720" rtlCol="0" anchor="b">
+            <a:normAutofit/>
+          </a:bodyPr>
+          <a:lstStyle>
+            <a:lvl1pPr algn="ctr" defTabSz="914400" rtl="0" eaLnBrk="1" latinLnBrk="0" hangingPunct="1">
+              <a:lnSpc>
+                <a:spcPct val="90000"/>
+              </a:lnSpc>
+              <a:spcBef>
+                <a:spcPct val="0"/>
+              </a:spcBef>
+              <a:buNone/>
+              <a:defRPr kumimoji="1" sz="6000" kern="1200">
+                <a:solidFill>
+                  <a:schemeClr val="tx1"/>
+                </a:solidFill>
+                <a:latin typeface="+mj-lt"/>
+                <a:ea typeface="+mj-ea"/>
+                <a:cs typeface="+mj-cs"/>
+              </a:defRPr>
+            </a:lvl1pPr>
+          </a:lstStyle>
+          <a:p>
+            <a:pPr algn="l"/>
+            <a:r>
+              <a:rPr lang="ja-JP" altLang="en-US" b="1" dirty="0"/>
+              <a:t>今後の展開、改善点</a:t>
+            </a:r>
+          </a:p>
+        </p:txBody>
+      </p:sp>
+      <p:sp>
+        <p:nvSpPr>
+          <p:cNvPr id="4" name="コンテンツ プレースホルダー 2">
+            <a:extLst>
+              <a:ext uri="{FF2B5EF4-FFF2-40B4-BE49-F238E27FC236}">
+                <a16:creationId xmlns:a16="http://schemas.microsoft.com/office/drawing/2014/main" id="{83DC133C-666D-5EDB-3D06-BB1B303AA73D}"/>
+              </a:ext>
+            </a:extLst>
+          </p:cNvPr>
+          <p:cNvSpPr txBox="1">
+            <a:spLocks/>
+          </p:cNvSpPr>
+          <p:nvPr/>
+        </p:nvSpPr>
+        <p:spPr>
+          <a:xfrm>
+            <a:off x="1227617" y="2142499"/>
+            <a:ext cx="8994069" cy="1417129"/>
+          </a:xfrm>
+          <a:prstGeom prst="rect">
+            <a:avLst/>
+          </a:prstGeom>
+        </p:spPr>
+        <p:txBody>
+          <a:bodyPr vert="horz" lIns="91440" tIns="45720" rIns="91440" bIns="45720" rtlCol="0">
+            <a:normAutofit fontScale="92500" lnSpcReduction="10000"/>
+          </a:bodyPr>
+          <a:lstStyle>
+            <a:lvl1pPr marL="0" indent="0" algn="ctr" defTabSz="914400" rtl="0" eaLnBrk="1" latinLnBrk="0" hangingPunct="1">
+              <a:lnSpc>
+                <a:spcPct val="90000"/>
+              </a:lnSpc>
+              <a:spcBef>
+                <a:spcPts val="1000"/>
+              </a:spcBef>
+              <a:buFont typeface="Arial" panose="020B0604020202020204" pitchFamily="34" charset="0"/>
+              <a:buNone/>
+              <a:defRPr kumimoji="1" sz="2400" kern="1200">
+                <a:solidFill>
+                  <a:schemeClr val="tx1"/>
+                </a:solidFill>
+                <a:latin typeface="+mn-lt"/>
+                <a:ea typeface="+mn-ea"/>
+                <a:cs typeface="+mn-cs"/>
+              </a:defRPr>
+            </a:lvl1pPr>
+            <a:lvl2pPr marL="457200" indent="0" algn="ctr" defTabSz="914400" rtl="0" eaLnBrk="1" latinLnBrk="0" hangingPunct="1">
+              <a:lnSpc>
+                <a:spcPct val="90000"/>
+              </a:lnSpc>
+              <a:spcBef>
+                <a:spcPts val="500"/>
+              </a:spcBef>
+              <a:buFont typeface="Arial" panose="020B0604020202020204" pitchFamily="34" charset="0"/>
+              <a:buNone/>
+              <a:defRPr kumimoji="1" sz="2000" kern="1200">
+                <a:solidFill>
+                  <a:schemeClr val="tx1"/>
+                </a:solidFill>
+                <a:latin typeface="+mn-lt"/>
+                <a:ea typeface="+mn-ea"/>
+                <a:cs typeface="+mn-cs"/>
+              </a:defRPr>
+            </a:lvl2pPr>
+            <a:lvl3pPr marL="914400" indent="0" algn="ctr" defTabSz="914400" rtl="0" eaLnBrk="1" latinLnBrk="0" hangingPunct="1">
+              <a:lnSpc>
+                <a:spcPct val="90000"/>
+              </a:lnSpc>
+              <a:spcBef>
+                <a:spcPts val="500"/>
+              </a:spcBef>
+              <a:buFont typeface="Arial" panose="020B0604020202020204" pitchFamily="34" charset="0"/>
+              <a:buNone/>
+              <a:defRPr kumimoji="1" sz="1800" kern="1200">
+                <a:solidFill>
+                  <a:schemeClr val="tx1"/>
+                </a:solidFill>
+                <a:latin typeface="+mn-lt"/>
+                <a:ea typeface="+mn-ea"/>
+                <a:cs typeface="+mn-cs"/>
+              </a:defRPr>
+            </a:lvl3pPr>
+            <a:lvl4pPr marL="1371600" indent="0" algn="ctr" defTabSz="914400" rtl="0" eaLnBrk="1" latinLnBrk="0" hangingPunct="1">
+              <a:lnSpc>
+                <a:spcPct val="90000"/>
+              </a:lnSpc>
+              <a:spcBef>
+                <a:spcPts val="500"/>
+              </a:spcBef>
+              <a:buFont typeface="Arial" panose="020B0604020202020204" pitchFamily="34" charset="0"/>
+              <a:buNone/>
+              <a:defRPr kumimoji="1" sz="1600" kern="1200">
+                <a:solidFill>
+                  <a:schemeClr val="tx1"/>
+                </a:solidFill>
+                <a:latin typeface="+mn-lt"/>
+                <a:ea typeface="+mn-ea"/>
+                <a:cs typeface="+mn-cs"/>
+              </a:defRPr>
+            </a:lvl4pPr>
+            <a:lvl5pPr marL="1828800" indent="0" algn="ctr" defTabSz="914400" rtl="0" eaLnBrk="1" latinLnBrk="0" hangingPunct="1">
+              <a:lnSpc>
+                <a:spcPct val="90000"/>
+              </a:lnSpc>
+              <a:spcBef>
+                <a:spcPts val="500"/>
+              </a:spcBef>
+              <a:buFont typeface="Arial" panose="020B0604020202020204" pitchFamily="34" charset="0"/>
+              <a:buNone/>
+              <a:defRPr kumimoji="1" sz="1600" kern="1200">
+                <a:solidFill>
+                  <a:schemeClr val="tx1"/>
+                </a:solidFill>
+                <a:latin typeface="+mn-lt"/>
+                <a:ea typeface="+mn-ea"/>
+                <a:cs typeface="+mn-cs"/>
+              </a:defRPr>
+            </a:lvl5pPr>
+            <a:lvl6pPr marL="2286000" indent="0" algn="ctr" defTabSz="914400" rtl="0" eaLnBrk="1" latinLnBrk="0" hangingPunct="1">
+              <a:lnSpc>
+                <a:spcPct val="90000"/>
+              </a:lnSpc>
+              <a:spcBef>
+                <a:spcPts val="500"/>
+              </a:spcBef>
+              <a:buFont typeface="Arial" panose="020B0604020202020204" pitchFamily="34" charset="0"/>
+              <a:buNone/>
+              <a:defRPr kumimoji="1" sz="1600" kern="1200">
+                <a:solidFill>
+                  <a:schemeClr val="tx1"/>
+                </a:solidFill>
+                <a:latin typeface="+mn-lt"/>
+                <a:ea typeface="+mn-ea"/>
+                <a:cs typeface="+mn-cs"/>
+              </a:defRPr>
+            </a:lvl6pPr>
+            <a:lvl7pPr marL="2743200" indent="0" algn="ctr" defTabSz="914400" rtl="0" eaLnBrk="1" latinLnBrk="0" hangingPunct="1">
+              <a:lnSpc>
+                <a:spcPct val="90000"/>
+              </a:lnSpc>
+              <a:spcBef>
+                <a:spcPts val="500"/>
+              </a:spcBef>
+              <a:buFont typeface="Arial" panose="020B0604020202020204" pitchFamily="34" charset="0"/>
+              <a:buNone/>
+              <a:defRPr kumimoji="1" sz="1600" kern="1200">
+                <a:solidFill>
+                  <a:schemeClr val="tx1"/>
+                </a:solidFill>
+                <a:latin typeface="+mn-lt"/>
+                <a:ea typeface="+mn-ea"/>
+                <a:cs typeface="+mn-cs"/>
+              </a:defRPr>
+            </a:lvl7pPr>
+            <a:lvl8pPr marL="3200400" indent="0" algn="ctr" defTabSz="914400" rtl="0" eaLnBrk="1" latinLnBrk="0" hangingPunct="1">
+              <a:lnSpc>
+                <a:spcPct val="90000"/>
+              </a:lnSpc>
+              <a:spcBef>
+                <a:spcPts val="500"/>
+              </a:spcBef>
+              <a:buFont typeface="Arial" panose="020B0604020202020204" pitchFamily="34" charset="0"/>
+              <a:buNone/>
+              <a:defRPr kumimoji="1" sz="1600" kern="1200">
+                <a:solidFill>
+                  <a:schemeClr val="tx1"/>
+                </a:solidFill>
+                <a:latin typeface="+mn-lt"/>
+                <a:ea typeface="+mn-ea"/>
+                <a:cs typeface="+mn-cs"/>
+              </a:defRPr>
+            </a:lvl8pPr>
+            <a:lvl9pPr marL="3657600" indent="0" algn="ctr" defTabSz="914400" rtl="0" eaLnBrk="1" latinLnBrk="0" hangingPunct="1">
+              <a:lnSpc>
+                <a:spcPct val="90000"/>
+              </a:lnSpc>
+              <a:spcBef>
+                <a:spcPts val="500"/>
+              </a:spcBef>
+              <a:buFont typeface="Arial" panose="020B0604020202020204" pitchFamily="34" charset="0"/>
+              <a:buNone/>
+              <a:defRPr kumimoji="1" sz="1600" kern="1200">
+                <a:solidFill>
+                  <a:schemeClr val="tx1"/>
+                </a:solidFill>
+                <a:latin typeface="+mn-lt"/>
+                <a:ea typeface="+mn-ea"/>
+                <a:cs typeface="+mn-cs"/>
+              </a:defRPr>
+            </a:lvl9pPr>
+          </a:lstStyle>
+          <a:p>
+            <a:pPr marL="457200" indent="-457200" algn="l">
+              <a:buFont typeface="Arial" panose="020B0604020202020204" pitchFamily="34" charset="0"/>
+              <a:buChar char="•"/>
+            </a:pPr>
+            <a:r>
+              <a:rPr lang="ja-JP" altLang="en-US" sz="3100" dirty="0"/>
+              <a:t>リンクを押さずに動画再生</a:t>
+            </a:r>
+            <a:endParaRPr lang="en-US" altLang="ja-JP" sz="3100" dirty="0"/>
+          </a:p>
+          <a:p>
+            <a:pPr marL="457200" indent="-457200" algn="l">
+              <a:buFont typeface="Arial" panose="020B0604020202020204" pitchFamily="34" charset="0"/>
+              <a:buChar char="•"/>
+            </a:pPr>
+            <a:r>
+              <a:rPr lang="ja-JP" altLang="en-US" sz="3100" dirty="0"/>
+              <a:t>ジャンル、タグ</a:t>
+            </a:r>
+            <a:endParaRPr lang="en-US" altLang="ja-JP" sz="3100" dirty="0"/>
+          </a:p>
+          <a:p>
+            <a:pPr marL="457200" indent="-457200" algn="l">
+              <a:buFont typeface="Arial" panose="020B0604020202020204" pitchFamily="34" charset="0"/>
+              <a:buChar char="•"/>
+            </a:pPr>
+            <a:r>
+              <a:rPr lang="ja-JP" altLang="en-US" sz="3100" dirty="0"/>
+              <a:t>共有機能</a:t>
+            </a:r>
+            <a:endParaRPr lang="en-US" altLang="ja-JP" sz="3100" dirty="0"/>
+          </a:p>
+          <a:p>
+            <a:pPr marL="457200" indent="-457200" algn="l">
+              <a:buFont typeface="Arial" panose="020B0604020202020204" pitchFamily="34" charset="0"/>
+              <a:buChar char="•"/>
+            </a:pPr>
+            <a:endParaRPr lang="ja-JP" altLang="en-US" sz="3100" dirty="0"/>
+          </a:p>
+        </p:txBody>
+      </p:sp>
+    </p:spTree>
+    <p:extLst>
+      <p:ext uri="{BB962C8B-B14F-4D97-AF65-F5344CB8AC3E}">
+        <p14:creationId xmlns:p14="http://schemas.microsoft.com/office/powerpoint/2010/main" val="617394886"/>
       </p:ext>
     </p:extLst>
   </p:cSld>
@@ -5089,18 +6469,6 @@
   <p:clrMapOvr>
     <a:masterClrMapping/>
   </p:clrMapOvr>
-  <mc:AlternateContent xmlns:mc="http://schemas.openxmlformats.org/markup-compatibility/2006" xmlns:p15="http://schemas.microsoft.com/office/powerpoint/2012/main">
-    <mc:Choice Requires="p15">
-      <p:transition xmlns:p14="http://schemas.microsoft.com/office/powerpoint/2010/main" spd="slow" p14:dur="1250">
-        <p15:prstTrans prst="pageCurlDouble"/>
-      </p:transition>
-    </mc:Choice>
-    <mc:Fallback xmlns="">
-      <p:transition spd="slow">
-        <p:fade/>
-      </p:transition>
-    </mc:Fallback>
-  </mc:AlternateContent>
 </p:sld>
 </file>
 
@@ -5461,8 +6829,8 @@
         </p:nvSpPr>
         <p:spPr>
           <a:xfrm>
-            <a:off x="1756807" y="3158157"/>
-            <a:ext cx="8678383" cy="875738"/>
+            <a:off x="1509774" y="3240986"/>
+            <a:ext cx="9172450" cy="875738"/>
           </a:xfrm>
           <a:prstGeom prst="rect">
             <a:avLst/>
@@ -5470,7 +6838,7 @@
         </p:spPr>
         <p:txBody>
           <a:bodyPr vert="horz" lIns="91440" tIns="45720" rIns="91440" bIns="45720" rtlCol="0">
-            <a:normAutofit fontScale="85000" lnSpcReduction="10000"/>
+            <a:normAutofit fontScale="77500" lnSpcReduction="20000"/>
           </a:bodyPr>
           <a:lstStyle>
             <a:lvl1pPr marL="0" indent="0" algn="ctr" defTabSz="914400" rtl="0" eaLnBrk="1" latinLnBrk="0" hangingPunct="1">
@@ -5639,7 +7007,7 @@
           <a:p>
             <a:r>
               <a:rPr lang="ja-JP" altLang="en-US" sz="4400" dirty="0"/>
-              <a:t>複数の外部リンクを一か所で管理したい</a:t>
+              <a:t>複数の外部リンクを一か所で管理したい便利</a:t>
             </a:r>
           </a:p>
         </p:txBody>
@@ -8456,8 +9824,8 @@
           </a:p>
         </p:txBody>
       </p:sp>
-      <mc:AlternateContent xmlns:mc="http://schemas.openxmlformats.org/markup-compatibility/2006">
-        <mc:Choice xmlns:p14="http://schemas.microsoft.com/office/powerpoint/2010/main" Requires="p14">
+      <mc:AlternateContent xmlns:mc="http://schemas.openxmlformats.org/markup-compatibility/2006" xmlns:p14="http://schemas.microsoft.com/office/powerpoint/2010/main">
+        <mc:Choice Requires="p14">
           <p:contentPart p14:bwMode="auto" r:id="rId3">
             <p14:nvContentPartPr>
               <p14:cNvPr id="26" name="インク 25">
@@ -8476,7 +9844,7 @@
             </p14:xfrm>
           </p:contentPart>
         </mc:Choice>
-        <mc:Fallback>
+        <mc:Fallback xmlns="">
           <p:pic>
             <p:nvPicPr>
               <p:cNvPr id="26" name="インク 25">
@@ -8925,12 +10293,20 @@
 <file path=ppt/slides/slide9.xml><?xml version="1.0" encoding="utf-8"?>
 <p:sld xmlns:a="http://schemas.openxmlformats.org/drawingml/2006/main" xmlns:r="http://schemas.openxmlformats.org/officeDocument/2006/relationships" xmlns:p="http://schemas.openxmlformats.org/presentationml/2006/main">
   <p:cSld>
+    <p:bg>
+      <p:bgPr>
+        <a:solidFill>
+          <a:schemeClr val="bg1"/>
+        </a:solidFill>
+        <a:effectLst/>
+      </p:bgPr>
+    </p:bg>
     <p:spTree>
       <p:nvGrpSpPr>
         <p:cNvPr id="1" name="">
           <a:extLst>
             <a:ext uri="{FF2B5EF4-FFF2-40B4-BE49-F238E27FC236}">
-              <a16:creationId xmlns:a16="http://schemas.microsoft.com/office/drawing/2014/main" id="{F69F9D34-8DE2-1C07-F6D5-DF69069367E2}"/>
+              <a16:creationId xmlns:a16="http://schemas.microsoft.com/office/drawing/2014/main" id="{E4B05BD0-8431-A0FE-7340-11F74917D863}"/>
             </a:ext>
           </a:extLst>
         </p:cNvPr>
@@ -8945,77 +10321,371 @@
           <a:chExt cx="0" cy="0"/>
         </a:xfrm>
       </p:grpSpPr>
-      <p:sp>
-        <p:nvSpPr>
-          <p:cNvPr id="2" name="タイトル 1">
-            <a:extLst>
-              <a:ext uri="{FF2B5EF4-FFF2-40B4-BE49-F238E27FC236}">
-                <a16:creationId xmlns:a16="http://schemas.microsoft.com/office/drawing/2014/main" id="{A2349CB7-6DD7-5598-613E-B82BED314EAE}"/>
+      <p:sp useBgFill="1">
+        <p:nvSpPr>
+          <p:cNvPr id="8" name="Rectangle 7">
+            <a:extLst>
+              <a:ext uri="{FF2B5EF4-FFF2-40B4-BE49-F238E27FC236}">
+                <a16:creationId xmlns:a16="http://schemas.microsoft.com/office/drawing/2014/main" id="{0CEAA857-6156-6DF8-F052-61464A71B2DB}"/>
+              </a:ext>
+              <a:ext uri="{C183D7F6-B498-43B3-948B-1728B52AA6E4}">
+                <adec:decorative xmlns:adec="http://schemas.microsoft.com/office/drawing/2017/decorative" val="1"/>
               </a:ext>
             </a:extLst>
           </p:cNvPr>
           <p:cNvSpPr>
-            <a:spLocks noGrp="1"/>
+            <a:spLocks noGrp="1" noRot="1" noChangeAspect="1" noMove="1" noResize="1" noEditPoints="1" noAdjustHandles="1" noChangeArrowheads="1" noChangeShapeType="1" noTextEdit="1"/>
           </p:cNvSpPr>
           <p:nvPr>
-            <p:ph type="title"/>
-          </p:nvPr>
-        </p:nvSpPr>
-        <p:spPr/>
-        <p:txBody>
-          <a:bodyPr/>
-          <a:lstStyle/>
-          <a:p>
-            <a:r>
-              <a:rPr kumimoji="1" lang="ja-JP" altLang="en-US" dirty="0"/>
-              <a:t>課題</a:t>
-            </a:r>
-          </a:p>
-        </p:txBody>
-      </p:sp>
-      <p:sp>
-        <p:nvSpPr>
-          <p:cNvPr id="3" name="コンテンツ プレースホルダー 2">
-            <a:extLst>
-              <a:ext uri="{FF2B5EF4-FFF2-40B4-BE49-F238E27FC236}">
-                <a16:creationId xmlns:a16="http://schemas.microsoft.com/office/drawing/2014/main" id="{6F52562F-5B8C-8039-C96C-77EA47007FAF}"/>
-              </a:ext>
-            </a:extLst>
-          </p:cNvPr>
-          <p:cNvSpPr>
-            <a:spLocks noGrp="1"/>
-          </p:cNvSpPr>
-          <p:nvPr>
-            <p:ph idx="1"/>
+            <p:extLst>
+              <p:ext uri="{386F3935-93C4-4BCD-93E2-E3B085C9AB24}">
+                <p16:designElem xmlns:p16="http://schemas.microsoft.com/office/powerpoint/2015/main" val="1"/>
+              </p:ext>
+            </p:extLst>
           </p:nvPr>
         </p:nvSpPr>
         <p:spPr>
           <a:xfrm>
-            <a:off x="1790700" y="3017497"/>
-            <a:ext cx="8610600" cy="823006"/>
+            <a:off x="0" y="0"/>
+            <a:ext cx="12192000" cy="6858000"/>
           </a:xfrm>
+          <a:prstGeom prst="rect">
+            <a:avLst/>
+          </a:prstGeom>
+          <a:ln w="12700" cap="flat" cmpd="sng" algn="ctr">
+            <a:noFill/>
+            <a:prstDash val="solid"/>
+            <a:miter lim="800000"/>
+          </a:ln>
+          <a:effectLst/>
+          <a:extLst>
+            <a:ext uri="{91240B29-F687-4F45-9708-019B960494DF}">
+              <a14:hiddenLine xmlns:a14="http://schemas.microsoft.com/office/drawing/2010/main" w="12700" cap="flat" cmpd="sng" algn="ctr">
+                <a:solidFill>
+                  <a:schemeClr val="accent1">
+                    <a:shade val="50000"/>
+                  </a:schemeClr>
+                </a:solidFill>
+                <a:prstDash val="solid"/>
+                <a:miter lim="800000"/>
+              </a14:hiddenLine>
+            </a:ext>
+          </a:extLst>
         </p:spPr>
-        <p:txBody>
-          <a:bodyPr>
+        <p:style>
+          <a:lnRef idx="2">
+            <a:schemeClr val="accent1">
+              <a:shade val="50000"/>
+            </a:schemeClr>
+          </a:lnRef>
+          <a:fillRef idx="1">
+            <a:schemeClr val="accent1"/>
+          </a:fillRef>
+          <a:effectRef idx="0">
+            <a:schemeClr val="accent1"/>
+          </a:effectRef>
+          <a:fontRef idx="minor">
+            <a:schemeClr val="lt1"/>
+          </a:fontRef>
+        </p:style>
+        <p:txBody>
+          <a:bodyPr rtlCol="0" anchor="ctr"/>
+          <a:lstStyle/>
+          <a:p>
+            <a:pPr algn="ctr"/>
+            <a:endParaRPr lang="en-US"/>
+          </a:p>
+        </p:txBody>
+      </p:sp>
+      <p:sp>
+        <p:nvSpPr>
+          <p:cNvPr id="10" name="Rectangle 9">
+            <a:extLst>
+              <a:ext uri="{FF2B5EF4-FFF2-40B4-BE49-F238E27FC236}">
+                <a16:creationId xmlns:a16="http://schemas.microsoft.com/office/drawing/2014/main" id="{4622C201-A15D-A98A-B0D2-D21D50935EE6}"/>
+              </a:ext>
+              <a:ext uri="{C183D7F6-B498-43B3-948B-1728B52AA6E4}">
+                <adec:decorative xmlns:adec="http://schemas.microsoft.com/office/drawing/2017/decorative" val="1"/>
+              </a:ext>
+            </a:extLst>
+          </p:cNvPr>
+          <p:cNvSpPr>
+            <a:spLocks noGrp="1" noRot="1" noChangeAspect="1" noMove="1" noResize="1" noEditPoints="1" noAdjustHandles="1" noChangeArrowheads="1" noChangeShapeType="1" noTextEdit="1"/>
+          </p:cNvSpPr>
+          <p:nvPr>
+            <p:extLst>
+              <p:ext uri="{386F3935-93C4-4BCD-93E2-E3B085C9AB24}">
+                <p16:designElem xmlns:p16="http://schemas.microsoft.com/office/powerpoint/2015/main" val="1"/>
+              </p:ext>
+            </p:extLst>
+          </p:nvPr>
+        </p:nvSpPr>
+        <p:spPr>
+          <a:xfrm>
+            <a:off x="0" y="0"/>
+            <a:ext cx="12192000" cy="6858000"/>
+          </a:xfrm>
+          <a:prstGeom prst="rect">
+            <a:avLst/>
+          </a:prstGeom>
+          <a:solidFill>
+            <a:schemeClr val="accent2">
+              <a:lumMod val="20000"/>
+              <a:lumOff val="80000"/>
+            </a:schemeClr>
+          </a:solidFill>
+          <a:ln>
+            <a:noFill/>
+          </a:ln>
+        </p:spPr>
+        <p:style>
+          <a:lnRef idx="2">
+            <a:schemeClr val="accent1">
+              <a:shade val="50000"/>
+            </a:schemeClr>
+          </a:lnRef>
+          <a:fillRef idx="1">
+            <a:schemeClr val="accent1"/>
+          </a:fillRef>
+          <a:effectRef idx="0">
+            <a:schemeClr val="accent1"/>
+          </a:effectRef>
+          <a:fontRef idx="minor">
+            <a:schemeClr val="lt1"/>
+          </a:fontRef>
+        </p:style>
+        <p:txBody>
+          <a:bodyPr rtlCol="0" anchor="ctr"/>
+          <a:lstStyle/>
+          <a:p>
+            <a:pPr algn="ctr"/>
+            <a:endParaRPr lang="en-US"/>
+          </a:p>
+        </p:txBody>
+      </p:sp>
+      <p:sp>
+        <p:nvSpPr>
+          <p:cNvPr id="12" name="Rectangle 11">
+            <a:extLst>
+              <a:ext uri="{FF2B5EF4-FFF2-40B4-BE49-F238E27FC236}">
+                <a16:creationId xmlns:a16="http://schemas.microsoft.com/office/drawing/2014/main" id="{1BB2F2A0-194E-E6FB-673F-CE1C42E6CBE1}"/>
+              </a:ext>
+              <a:ext uri="{C183D7F6-B498-43B3-948B-1728B52AA6E4}">
+                <adec:decorative xmlns:adec="http://schemas.microsoft.com/office/drawing/2017/decorative" val="1"/>
+              </a:ext>
+            </a:extLst>
+          </p:cNvPr>
+          <p:cNvSpPr>
+            <a:spLocks noGrp="1" noRot="1" noChangeAspect="1" noMove="1" noResize="1" noEditPoints="1" noAdjustHandles="1" noChangeArrowheads="1" noChangeShapeType="1" noTextEdit="1"/>
+          </p:cNvSpPr>
+          <p:nvPr>
+            <p:extLst>
+              <p:ext uri="{386F3935-93C4-4BCD-93E2-E3B085C9AB24}">
+                <p16:designElem xmlns:p16="http://schemas.microsoft.com/office/powerpoint/2015/main" val="1"/>
+              </p:ext>
+            </p:extLst>
+          </p:nvPr>
+        </p:nvSpPr>
+        <p:spPr>
+          <a:xfrm>
+            <a:off x="685800" y="685800"/>
+            <a:ext cx="10820400" cy="5486400"/>
+          </a:xfrm>
+          <a:prstGeom prst="rect">
+            <a:avLst/>
+          </a:prstGeom>
+          <a:solidFill>
+            <a:schemeClr val="bg1"/>
+          </a:solidFill>
+          <a:ln>
+            <a:noFill/>
+          </a:ln>
+        </p:spPr>
+        <p:style>
+          <a:lnRef idx="2">
+            <a:schemeClr val="accent1">
+              <a:shade val="50000"/>
+            </a:schemeClr>
+          </a:lnRef>
+          <a:fillRef idx="1">
+            <a:schemeClr val="accent1"/>
+          </a:fillRef>
+          <a:effectRef idx="0">
+            <a:schemeClr val="accent1"/>
+          </a:effectRef>
+          <a:fontRef idx="minor">
+            <a:schemeClr val="lt1"/>
+          </a:fontRef>
+        </p:style>
+        <p:txBody>
+          <a:bodyPr rtlCol="0" anchor="ctr"/>
+          <a:lstStyle/>
+          <a:p>
+            <a:pPr algn="ctr"/>
+            <a:endParaRPr lang="en-US"/>
+          </a:p>
+        </p:txBody>
+      </p:sp>
+      <mc:AlternateContent xmlns:mc="http://schemas.openxmlformats.org/markup-compatibility/2006">
+        <mc:Choice xmlns:p14="http://schemas.microsoft.com/office/powerpoint/2010/main" Requires="p14">
+          <p:contentPart p14:bwMode="auto" r:id="rId3">
+            <p14:nvContentPartPr>
+              <p14:cNvPr id="26" name="インク 25">
+                <a:extLst>
+                  <a:ext uri="{FF2B5EF4-FFF2-40B4-BE49-F238E27FC236}">
+                    <a16:creationId xmlns:a16="http://schemas.microsoft.com/office/drawing/2014/main" id="{74882E31-5A94-7BC6-3FE0-8215145F59EA}"/>
+                  </a:ext>
+                </a:extLst>
+              </p14:cNvPr>
+              <p14:cNvContentPartPr/>
+              <p14:nvPr/>
+            </p14:nvContentPartPr>
+            <p14:xfrm>
+              <a:off x="2457202" y="6360366"/>
+              <a:ext cx="7277594" cy="129422"/>
+            </p14:xfrm>
+          </p:contentPart>
+        </mc:Choice>
+        <mc:Fallback>
+          <p:pic>
+            <p:nvPicPr>
+              <p:cNvPr id="26" name="インク 25">
+                <a:extLst>
+                  <a:ext uri="{FF2B5EF4-FFF2-40B4-BE49-F238E27FC236}">
+                    <a16:creationId xmlns:a16="http://schemas.microsoft.com/office/drawing/2014/main" id="{74882E31-5A94-7BC6-3FE0-8215145F59EA}"/>
+                  </a:ext>
+                </a:extLst>
+              </p:cNvPr>
+              <p:cNvPicPr/>
+              <p:nvPr/>
+            </p:nvPicPr>
+            <p:blipFill>
+              <a:blip r:embed="rId4"/>
+              <a:stretch>
+                <a:fillRect/>
+              </a:stretch>
+            </p:blipFill>
+            <p:spPr>
+              <a:xfrm>
+                <a:off x="2403203" y="6252514"/>
+                <a:ext cx="7385232" cy="344766"/>
+              </a:xfrm>
+              <a:prstGeom prst="rect">
+                <a:avLst/>
+              </a:prstGeom>
+            </p:spPr>
+          </p:pic>
+        </mc:Fallback>
+      </mc:AlternateContent>
+      <p:sp>
+        <p:nvSpPr>
+          <p:cNvPr id="2" name="タイトル 1">
+            <a:extLst>
+              <a:ext uri="{FF2B5EF4-FFF2-40B4-BE49-F238E27FC236}">
+                <a16:creationId xmlns:a16="http://schemas.microsoft.com/office/drawing/2014/main" id="{79396835-5845-7007-C74A-36E1F20E557E}"/>
+              </a:ext>
+            </a:extLst>
+          </p:cNvPr>
+          <p:cNvSpPr txBox="1">
+            <a:spLocks/>
+          </p:cNvSpPr>
+          <p:nvPr/>
+        </p:nvSpPr>
+        <p:spPr>
+          <a:xfrm>
+            <a:off x="838199" y="2766218"/>
+            <a:ext cx="10515600" cy="1325563"/>
+          </a:xfrm>
+          <a:prstGeom prst="rect">
+            <a:avLst/>
+          </a:prstGeom>
+        </p:spPr>
+        <p:txBody>
+          <a:bodyPr vert="horz" lIns="91440" tIns="45720" rIns="91440" bIns="45720" rtlCol="0" anchor="b">
             <a:normAutofit/>
           </a:bodyPr>
-          <a:lstStyle/>
-          <a:p>
-            <a:pPr marL="0" indent="0" algn="ctr">
-              <a:buNone/>
-            </a:pPr>
-            <a:r>
-              <a:rPr kumimoji="1" lang="ja-JP" altLang="en-US" sz="4000" dirty="0"/>
-              <a:t>リンクを一か所に集められないか</a:t>
-            </a:r>
-            <a:endParaRPr kumimoji="1" lang="en-US" altLang="ja-JP" sz="4000" dirty="0"/>
-          </a:p>
-        </p:txBody>
-      </p:sp>
+          <a:lstStyle>
+            <a:lvl1pPr algn="ctr" defTabSz="914400" rtl="0" eaLnBrk="1" latinLnBrk="0" hangingPunct="1">
+              <a:lnSpc>
+                <a:spcPct val="90000"/>
+              </a:lnSpc>
+              <a:spcBef>
+                <a:spcPct val="0"/>
+              </a:spcBef>
+              <a:buNone/>
+              <a:defRPr kumimoji="1" sz="6000" kern="1200">
+                <a:solidFill>
+                  <a:schemeClr val="tx1"/>
+                </a:solidFill>
+                <a:latin typeface="+mj-lt"/>
+                <a:ea typeface="+mj-ea"/>
+                <a:cs typeface="+mj-cs"/>
+              </a:defRPr>
+            </a:lvl1pPr>
+          </a:lstStyle>
+          <a:p>
+            <a:r>
+              <a:rPr lang="ja-JP" altLang="en-US" b="1" dirty="0"/>
+              <a:t>実機説明</a:t>
+            </a:r>
+          </a:p>
+        </p:txBody>
+      </p:sp>
+      <mc:AlternateContent xmlns:mc="http://schemas.openxmlformats.org/markup-compatibility/2006">
+        <mc:Choice xmlns:p14="http://schemas.microsoft.com/office/powerpoint/2010/main" Requires="p14">
+          <p:contentPart p14:bwMode="auto" r:id="rId5">
+            <p14:nvContentPartPr>
+              <p14:cNvPr id="5" name="インク 4">
+                <a:extLst>
+                  <a:ext uri="{FF2B5EF4-FFF2-40B4-BE49-F238E27FC236}">
+                    <a16:creationId xmlns:a16="http://schemas.microsoft.com/office/drawing/2014/main" id="{ECDF623D-4F75-1D66-FF53-4AEFAEC56BEE}"/>
+                  </a:ext>
+                </a:extLst>
+              </p14:cNvPr>
+              <p14:cNvContentPartPr/>
+              <p14:nvPr/>
+            </p14:nvContentPartPr>
+            <p14:xfrm flipV="1">
+              <a:off x="4505200" y="4091781"/>
+              <a:ext cx="3181598" cy="56580"/>
+            </p14:xfrm>
+          </p:contentPart>
+        </mc:Choice>
+        <mc:Fallback>
+          <p:pic>
+            <p:nvPicPr>
+              <p:cNvPr id="5" name="インク 4">
+                <a:extLst>
+                  <a:ext uri="{FF2B5EF4-FFF2-40B4-BE49-F238E27FC236}">
+                    <a16:creationId xmlns:a16="http://schemas.microsoft.com/office/drawing/2014/main" id="{ECDF623D-4F75-1D66-FF53-4AEFAEC56BEE}"/>
+                  </a:ext>
+                </a:extLst>
+              </p:cNvPr>
+              <p:cNvPicPr/>
+              <p:nvPr/>
+            </p:nvPicPr>
+            <p:blipFill>
+              <a:blip r:embed="rId6"/>
+              <a:stretch>
+                <a:fillRect/>
+              </a:stretch>
+            </p:blipFill>
+            <p:spPr>
+              <a:xfrm flipV="1">
+                <a:off x="4451208" y="3984351"/>
+                <a:ext cx="3289223" cy="271083"/>
+              </a:xfrm>
+              <a:prstGeom prst="rect">
+                <a:avLst/>
+              </a:prstGeom>
+            </p:spPr>
+          </p:pic>
+        </mc:Fallback>
+      </mc:AlternateContent>
     </p:spTree>
     <p:extLst>
       <p:ext uri="{BB962C8B-B14F-4D97-AF65-F5344CB8AC3E}">
-        <p14:creationId xmlns:p14="http://schemas.microsoft.com/office/powerpoint/2010/main" val="2802642645"/>
+        <p14:creationId xmlns:p14="http://schemas.microsoft.com/office/powerpoint/2010/main" val="2159422868"/>
       </p:ext>
     </p:extLst>
   </p:cSld>
